--- a/TT_subplot_map.pptx
+++ b/TT_subplot_map.pptx
@@ -6,6 +6,7 @@
   </p:sldMasterIdLst>
   <p:sldIdLst>
     <p:sldId id="256" r:id="rId2"/>
+    <p:sldId id="257" r:id="rId3"/>
   </p:sldIdLst>
   <p:sldSz cx="12192000" cy="8229600"/>
   <p:notesSz cx="6858000" cy="9144000"/>
@@ -243,7 +244,7 @@
           <a:p>
             <a:fld id="{3EBFF84C-30FA-534C-A298-DE425FBFB86B}" type="datetimeFigureOut">
               <a:rPr lang="en-US" smtClean="0"/>
-              <a:t>2/19/24</a:t>
+              <a:t>3/19/24</a:t>
             </a:fld>
             <a:endParaRPr lang="en-US"/>
           </a:p>
@@ -413,7 +414,7 @@
           <a:p>
             <a:fld id="{3EBFF84C-30FA-534C-A298-DE425FBFB86B}" type="datetimeFigureOut">
               <a:rPr lang="en-US" smtClean="0"/>
-              <a:t>2/19/24</a:t>
+              <a:t>3/19/24</a:t>
             </a:fld>
             <a:endParaRPr lang="en-US"/>
           </a:p>
@@ -593,7 +594,7 @@
           <a:p>
             <a:fld id="{3EBFF84C-30FA-534C-A298-DE425FBFB86B}" type="datetimeFigureOut">
               <a:rPr lang="en-US" smtClean="0"/>
-              <a:t>2/19/24</a:t>
+              <a:t>3/19/24</a:t>
             </a:fld>
             <a:endParaRPr lang="en-US"/>
           </a:p>
@@ -763,7 +764,7 @@
           <a:p>
             <a:fld id="{3EBFF84C-30FA-534C-A298-DE425FBFB86B}" type="datetimeFigureOut">
               <a:rPr lang="en-US" smtClean="0"/>
-              <a:t>2/19/24</a:t>
+              <a:t>3/19/24</a:t>
             </a:fld>
             <a:endParaRPr lang="en-US"/>
           </a:p>
@@ -1007,7 +1008,7 @@
           <a:p>
             <a:fld id="{3EBFF84C-30FA-534C-A298-DE425FBFB86B}" type="datetimeFigureOut">
               <a:rPr lang="en-US" smtClean="0"/>
-              <a:t>2/19/24</a:t>
+              <a:t>3/19/24</a:t>
             </a:fld>
             <a:endParaRPr lang="en-US"/>
           </a:p>
@@ -1239,7 +1240,7 @@
           <a:p>
             <a:fld id="{3EBFF84C-30FA-534C-A298-DE425FBFB86B}" type="datetimeFigureOut">
               <a:rPr lang="en-US" smtClean="0"/>
-              <a:t>2/19/24</a:t>
+              <a:t>3/19/24</a:t>
             </a:fld>
             <a:endParaRPr lang="en-US"/>
           </a:p>
@@ -1606,7 +1607,7 @@
           <a:p>
             <a:fld id="{3EBFF84C-30FA-534C-A298-DE425FBFB86B}" type="datetimeFigureOut">
               <a:rPr lang="en-US" smtClean="0"/>
-              <a:t>2/19/24</a:t>
+              <a:t>3/19/24</a:t>
             </a:fld>
             <a:endParaRPr lang="en-US"/>
           </a:p>
@@ -1724,7 +1725,7 @@
           <a:p>
             <a:fld id="{3EBFF84C-30FA-534C-A298-DE425FBFB86B}" type="datetimeFigureOut">
               <a:rPr lang="en-US" smtClean="0"/>
-              <a:t>2/19/24</a:t>
+              <a:t>3/19/24</a:t>
             </a:fld>
             <a:endParaRPr lang="en-US"/>
           </a:p>
@@ -1819,7 +1820,7 @@
           <a:p>
             <a:fld id="{3EBFF84C-30FA-534C-A298-DE425FBFB86B}" type="datetimeFigureOut">
               <a:rPr lang="en-US" smtClean="0"/>
-              <a:t>2/19/24</a:t>
+              <a:t>3/19/24</a:t>
             </a:fld>
             <a:endParaRPr lang="en-US"/>
           </a:p>
@@ -2096,7 +2097,7 @@
           <a:p>
             <a:fld id="{3EBFF84C-30FA-534C-A298-DE425FBFB86B}" type="datetimeFigureOut">
               <a:rPr lang="en-US" smtClean="0"/>
-              <a:t>2/19/24</a:t>
+              <a:t>3/19/24</a:t>
             </a:fld>
             <a:endParaRPr lang="en-US"/>
           </a:p>
@@ -2353,7 +2354,7 @@
           <a:p>
             <a:fld id="{3EBFF84C-30FA-534C-A298-DE425FBFB86B}" type="datetimeFigureOut">
               <a:rPr lang="en-US" smtClean="0"/>
-              <a:t>2/19/24</a:t>
+              <a:t>3/19/24</a:t>
             </a:fld>
             <a:endParaRPr lang="en-US"/>
           </a:p>
@@ -2566,7 +2567,7 @@
           <a:p>
             <a:fld id="{3EBFF84C-30FA-534C-A298-DE425FBFB86B}" type="datetimeFigureOut">
               <a:rPr lang="en-US" smtClean="0"/>
-              <a:t>2/19/24</a:t>
+              <a:t>3/19/24</a:t>
             </a:fld>
             <a:endParaRPr lang="en-US"/>
           </a:p>
@@ -6674,6 +6675,5264 @@
 </p:sld>
 </file>
 
+<file path=ppt/slides/slide2.xml><?xml version="1.0" encoding="utf-8"?>
+<p:sld xmlns:a="http://schemas.openxmlformats.org/drawingml/2006/main" xmlns:r="http://schemas.openxmlformats.org/officeDocument/2006/relationships" xmlns:p="http://schemas.openxmlformats.org/presentationml/2006/main">
+  <p:cSld>
+    <p:spTree>
+      <p:nvGrpSpPr>
+        <p:cNvPr id="1" name=""/>
+        <p:cNvGrpSpPr/>
+        <p:nvPr/>
+      </p:nvGrpSpPr>
+      <p:grpSpPr>
+        <a:xfrm>
+          <a:off x="0" y="0"/>
+          <a:ext cx="0" cy="0"/>
+          <a:chOff x="0" y="0"/>
+          <a:chExt cx="0" cy="0"/>
+        </a:xfrm>
+      </p:grpSpPr>
+      <p:sp>
+        <p:nvSpPr>
+          <p:cNvPr id="118" name="Rectangle 117">
+            <a:extLst>
+              <a:ext uri="{FF2B5EF4-FFF2-40B4-BE49-F238E27FC236}">
+                <a16:creationId xmlns:a16="http://schemas.microsoft.com/office/drawing/2014/main" id="{D07A715E-B1E0-A598-820B-66399DB04E38}"/>
+              </a:ext>
+            </a:extLst>
+          </p:cNvPr>
+          <p:cNvSpPr/>
+          <p:nvPr/>
+        </p:nvSpPr>
+        <p:spPr>
+          <a:xfrm>
+            <a:off x="4425312" y="1020695"/>
+            <a:ext cx="914400" cy="1793898"/>
+          </a:xfrm>
+          <a:prstGeom prst="rect">
+            <a:avLst/>
+          </a:prstGeom>
+          <a:solidFill>
+            <a:schemeClr val="bg1">
+              <a:lumMod val="75000"/>
+            </a:schemeClr>
+          </a:solidFill>
+          <a:ln>
+            <a:noFill/>
+          </a:ln>
+        </p:spPr>
+        <p:style>
+          <a:lnRef idx="2">
+            <a:schemeClr val="accent1">
+              <a:shade val="15000"/>
+            </a:schemeClr>
+          </a:lnRef>
+          <a:fillRef idx="1">
+            <a:schemeClr val="accent1"/>
+          </a:fillRef>
+          <a:effectRef idx="0">
+            <a:schemeClr val="accent1"/>
+          </a:effectRef>
+          <a:fontRef idx="minor">
+            <a:schemeClr val="lt1"/>
+          </a:fontRef>
+        </p:style>
+        <p:txBody>
+          <a:bodyPr rtlCol="0" anchor="ctr"/>
+          <a:lstStyle/>
+          <a:p>
+            <a:pPr algn="ctr"/>
+            <a:endParaRPr lang="en-US"/>
+          </a:p>
+        </p:txBody>
+      </p:sp>
+      <p:sp>
+        <p:nvSpPr>
+          <p:cNvPr id="119" name="Rectangle 118">
+            <a:extLst>
+              <a:ext uri="{FF2B5EF4-FFF2-40B4-BE49-F238E27FC236}">
+                <a16:creationId xmlns:a16="http://schemas.microsoft.com/office/drawing/2014/main" id="{B4D2BCE3-F518-96EB-F32A-F76A5BF44638}"/>
+              </a:ext>
+            </a:extLst>
+          </p:cNvPr>
+          <p:cNvSpPr/>
+          <p:nvPr/>
+        </p:nvSpPr>
+        <p:spPr>
+          <a:xfrm>
+            <a:off x="4429314" y="3214835"/>
+            <a:ext cx="914400" cy="1793898"/>
+          </a:xfrm>
+          <a:prstGeom prst="rect">
+            <a:avLst/>
+          </a:prstGeom>
+          <a:solidFill>
+            <a:schemeClr val="bg1">
+              <a:lumMod val="75000"/>
+            </a:schemeClr>
+          </a:solidFill>
+          <a:ln>
+            <a:noFill/>
+          </a:ln>
+        </p:spPr>
+        <p:style>
+          <a:lnRef idx="2">
+            <a:schemeClr val="accent1">
+              <a:shade val="15000"/>
+            </a:schemeClr>
+          </a:lnRef>
+          <a:fillRef idx="1">
+            <a:schemeClr val="accent1"/>
+          </a:fillRef>
+          <a:effectRef idx="0">
+            <a:schemeClr val="accent1"/>
+          </a:effectRef>
+          <a:fontRef idx="minor">
+            <a:schemeClr val="lt1"/>
+          </a:fontRef>
+        </p:style>
+        <p:txBody>
+          <a:bodyPr rtlCol="0" anchor="ctr"/>
+          <a:lstStyle/>
+          <a:p>
+            <a:pPr algn="ctr"/>
+            <a:endParaRPr lang="en-US"/>
+          </a:p>
+        </p:txBody>
+      </p:sp>
+      <p:sp>
+        <p:nvSpPr>
+          <p:cNvPr id="120" name="Rectangle 119">
+            <a:extLst>
+              <a:ext uri="{FF2B5EF4-FFF2-40B4-BE49-F238E27FC236}">
+                <a16:creationId xmlns:a16="http://schemas.microsoft.com/office/drawing/2014/main" id="{E0680C31-0D9E-25E4-4E71-2D9D7ECE58E3}"/>
+              </a:ext>
+            </a:extLst>
+          </p:cNvPr>
+          <p:cNvSpPr/>
+          <p:nvPr/>
+        </p:nvSpPr>
+        <p:spPr>
+          <a:xfrm>
+            <a:off x="4423709" y="5416356"/>
+            <a:ext cx="914400" cy="1793898"/>
+          </a:xfrm>
+          <a:prstGeom prst="rect">
+            <a:avLst/>
+          </a:prstGeom>
+          <a:solidFill>
+            <a:schemeClr val="bg1">
+              <a:lumMod val="75000"/>
+            </a:schemeClr>
+          </a:solidFill>
+          <a:ln>
+            <a:noFill/>
+          </a:ln>
+        </p:spPr>
+        <p:style>
+          <a:lnRef idx="2">
+            <a:schemeClr val="accent1">
+              <a:shade val="15000"/>
+            </a:schemeClr>
+          </a:lnRef>
+          <a:fillRef idx="1">
+            <a:schemeClr val="accent1"/>
+          </a:fillRef>
+          <a:effectRef idx="0">
+            <a:schemeClr val="accent1"/>
+          </a:effectRef>
+          <a:fontRef idx="minor">
+            <a:schemeClr val="lt1"/>
+          </a:fontRef>
+        </p:style>
+        <p:txBody>
+          <a:bodyPr rtlCol="0" anchor="ctr"/>
+          <a:lstStyle/>
+          <a:p>
+            <a:pPr algn="ctr"/>
+            <a:endParaRPr lang="en-US"/>
+          </a:p>
+        </p:txBody>
+      </p:sp>
+      <p:sp>
+        <p:nvSpPr>
+          <p:cNvPr id="115" name="Rectangle 114">
+            <a:extLst>
+              <a:ext uri="{FF2B5EF4-FFF2-40B4-BE49-F238E27FC236}">
+                <a16:creationId xmlns:a16="http://schemas.microsoft.com/office/drawing/2014/main" id="{3F5CFD33-F681-7FC4-EDCA-0B73C004DE43}"/>
+              </a:ext>
+            </a:extLst>
+          </p:cNvPr>
+          <p:cNvSpPr/>
+          <p:nvPr/>
+        </p:nvSpPr>
+        <p:spPr>
+          <a:xfrm>
+            <a:off x="3518800" y="1014874"/>
+            <a:ext cx="914400" cy="1793898"/>
+          </a:xfrm>
+          <a:prstGeom prst="rect">
+            <a:avLst/>
+          </a:prstGeom>
+          <a:solidFill>
+            <a:schemeClr val="bg1"/>
+          </a:solidFill>
+          <a:ln>
+            <a:noFill/>
+          </a:ln>
+        </p:spPr>
+        <p:style>
+          <a:lnRef idx="2">
+            <a:schemeClr val="accent1">
+              <a:shade val="15000"/>
+            </a:schemeClr>
+          </a:lnRef>
+          <a:fillRef idx="1">
+            <a:schemeClr val="accent1"/>
+          </a:fillRef>
+          <a:effectRef idx="0">
+            <a:schemeClr val="accent1"/>
+          </a:effectRef>
+          <a:fontRef idx="minor">
+            <a:schemeClr val="lt1"/>
+          </a:fontRef>
+        </p:style>
+        <p:txBody>
+          <a:bodyPr rtlCol="0" anchor="ctr"/>
+          <a:lstStyle/>
+          <a:p>
+            <a:pPr algn="ctr"/>
+            <a:endParaRPr lang="en-US"/>
+          </a:p>
+        </p:txBody>
+      </p:sp>
+      <p:sp>
+        <p:nvSpPr>
+          <p:cNvPr id="116" name="Rectangle 115">
+            <a:extLst>
+              <a:ext uri="{FF2B5EF4-FFF2-40B4-BE49-F238E27FC236}">
+                <a16:creationId xmlns:a16="http://schemas.microsoft.com/office/drawing/2014/main" id="{76F8F698-DEE5-E1D6-7432-89A2FB487B5E}"/>
+              </a:ext>
+            </a:extLst>
+          </p:cNvPr>
+          <p:cNvSpPr/>
+          <p:nvPr/>
+        </p:nvSpPr>
+        <p:spPr>
+          <a:xfrm>
+            <a:off x="3522802" y="3217106"/>
+            <a:ext cx="914400" cy="1793898"/>
+          </a:xfrm>
+          <a:prstGeom prst="rect">
+            <a:avLst/>
+          </a:prstGeom>
+          <a:solidFill>
+            <a:schemeClr val="bg1"/>
+          </a:solidFill>
+          <a:ln>
+            <a:noFill/>
+          </a:ln>
+        </p:spPr>
+        <p:style>
+          <a:lnRef idx="2">
+            <a:schemeClr val="accent1">
+              <a:shade val="15000"/>
+            </a:schemeClr>
+          </a:lnRef>
+          <a:fillRef idx="1">
+            <a:schemeClr val="accent1"/>
+          </a:fillRef>
+          <a:effectRef idx="0">
+            <a:schemeClr val="accent1"/>
+          </a:effectRef>
+          <a:fontRef idx="minor">
+            <a:schemeClr val="lt1"/>
+          </a:fontRef>
+        </p:style>
+        <p:txBody>
+          <a:bodyPr rtlCol="0" anchor="ctr"/>
+          <a:lstStyle/>
+          <a:p>
+            <a:pPr algn="ctr"/>
+            <a:endParaRPr lang="en-US"/>
+          </a:p>
+        </p:txBody>
+      </p:sp>
+      <p:sp>
+        <p:nvSpPr>
+          <p:cNvPr id="117" name="Rectangle 116">
+            <a:extLst>
+              <a:ext uri="{FF2B5EF4-FFF2-40B4-BE49-F238E27FC236}">
+                <a16:creationId xmlns:a16="http://schemas.microsoft.com/office/drawing/2014/main" id="{971A8140-ADD8-5130-28D1-F0BA6D7B297F}"/>
+              </a:ext>
+            </a:extLst>
+          </p:cNvPr>
+          <p:cNvSpPr/>
+          <p:nvPr/>
+        </p:nvSpPr>
+        <p:spPr>
+          <a:xfrm>
+            <a:off x="3517197" y="5410535"/>
+            <a:ext cx="914400" cy="1793898"/>
+          </a:xfrm>
+          <a:prstGeom prst="rect">
+            <a:avLst/>
+          </a:prstGeom>
+          <a:solidFill>
+            <a:schemeClr val="bg1"/>
+          </a:solidFill>
+          <a:ln>
+            <a:noFill/>
+          </a:ln>
+        </p:spPr>
+        <p:style>
+          <a:lnRef idx="2">
+            <a:schemeClr val="accent1">
+              <a:shade val="15000"/>
+            </a:schemeClr>
+          </a:lnRef>
+          <a:fillRef idx="1">
+            <a:schemeClr val="accent1"/>
+          </a:fillRef>
+          <a:effectRef idx="0">
+            <a:schemeClr val="accent1"/>
+          </a:effectRef>
+          <a:fontRef idx="minor">
+            <a:schemeClr val="lt1"/>
+          </a:fontRef>
+        </p:style>
+        <p:txBody>
+          <a:bodyPr rtlCol="0" anchor="ctr"/>
+          <a:lstStyle/>
+          <a:p>
+            <a:pPr algn="ctr"/>
+            <a:endParaRPr lang="en-US"/>
+          </a:p>
+        </p:txBody>
+      </p:sp>
+      <p:sp>
+        <p:nvSpPr>
+          <p:cNvPr id="23" name="Rectangle 22">
+            <a:extLst>
+              <a:ext uri="{FF2B5EF4-FFF2-40B4-BE49-F238E27FC236}">
+                <a16:creationId xmlns:a16="http://schemas.microsoft.com/office/drawing/2014/main" id="{10EE2D55-11A5-CDB4-37FE-80A8B30351B6}"/>
+              </a:ext>
+            </a:extLst>
+          </p:cNvPr>
+          <p:cNvSpPr/>
+          <p:nvPr/>
+        </p:nvSpPr>
+        <p:spPr>
+          <a:xfrm>
+            <a:off x="1179862" y="1005833"/>
+            <a:ext cx="1828800" cy="1828800"/>
+          </a:xfrm>
+          <a:prstGeom prst="rect">
+            <a:avLst/>
+          </a:prstGeom>
+          <a:solidFill>
+            <a:schemeClr val="bg1"/>
+          </a:solidFill>
+          <a:ln w="38100">
+            <a:solidFill>
+              <a:schemeClr val="tx1"/>
+            </a:solidFill>
+          </a:ln>
+        </p:spPr>
+        <p:style>
+          <a:lnRef idx="2">
+            <a:schemeClr val="accent1">
+              <a:shade val="15000"/>
+            </a:schemeClr>
+          </a:lnRef>
+          <a:fillRef idx="1">
+            <a:schemeClr val="accent1"/>
+          </a:fillRef>
+          <a:effectRef idx="0">
+            <a:schemeClr val="accent1"/>
+          </a:effectRef>
+          <a:fontRef idx="minor">
+            <a:schemeClr val="lt1"/>
+          </a:fontRef>
+        </p:style>
+        <p:txBody>
+          <a:bodyPr rtlCol="0" anchor="ctr"/>
+          <a:lstStyle/>
+          <a:p>
+            <a:pPr algn="ctr"/>
+            <a:endParaRPr lang="en-US"/>
+          </a:p>
+        </p:txBody>
+      </p:sp>
+      <p:sp>
+        <p:nvSpPr>
+          <p:cNvPr id="24" name="Rectangle 23">
+            <a:extLst>
+              <a:ext uri="{FF2B5EF4-FFF2-40B4-BE49-F238E27FC236}">
+                <a16:creationId xmlns:a16="http://schemas.microsoft.com/office/drawing/2014/main" id="{836BD42B-C2FD-94BE-9A15-0C9719AD8710}"/>
+              </a:ext>
+            </a:extLst>
+          </p:cNvPr>
+          <p:cNvSpPr/>
+          <p:nvPr/>
+        </p:nvSpPr>
+        <p:spPr>
+          <a:xfrm>
+            <a:off x="3518800" y="1005833"/>
+            <a:ext cx="1828800" cy="1828800"/>
+          </a:xfrm>
+          <a:prstGeom prst="rect">
+            <a:avLst/>
+          </a:prstGeom>
+          <a:noFill/>
+          <a:ln w="38100">
+            <a:solidFill>
+              <a:schemeClr val="tx1"/>
+            </a:solidFill>
+          </a:ln>
+        </p:spPr>
+        <p:style>
+          <a:lnRef idx="2">
+            <a:schemeClr val="accent1">
+              <a:shade val="15000"/>
+            </a:schemeClr>
+          </a:lnRef>
+          <a:fillRef idx="1">
+            <a:schemeClr val="accent1"/>
+          </a:fillRef>
+          <a:effectRef idx="0">
+            <a:schemeClr val="accent1"/>
+          </a:effectRef>
+          <a:fontRef idx="minor">
+            <a:schemeClr val="lt1"/>
+          </a:fontRef>
+        </p:style>
+        <p:txBody>
+          <a:bodyPr rtlCol="0" anchor="ctr"/>
+          <a:lstStyle/>
+          <a:p>
+            <a:pPr algn="ctr"/>
+            <a:endParaRPr lang="en-US"/>
+          </a:p>
+        </p:txBody>
+      </p:sp>
+      <p:sp>
+        <p:nvSpPr>
+          <p:cNvPr id="25" name="Rectangle 24">
+            <a:extLst>
+              <a:ext uri="{FF2B5EF4-FFF2-40B4-BE49-F238E27FC236}">
+                <a16:creationId xmlns:a16="http://schemas.microsoft.com/office/drawing/2014/main" id="{57E314D8-A020-7A8A-7FF2-130DB83DA5A8}"/>
+              </a:ext>
+            </a:extLst>
+          </p:cNvPr>
+          <p:cNvSpPr/>
+          <p:nvPr/>
+        </p:nvSpPr>
+        <p:spPr>
+          <a:xfrm>
+            <a:off x="5804800" y="1005833"/>
+            <a:ext cx="1828800" cy="1828800"/>
+          </a:xfrm>
+          <a:prstGeom prst="rect">
+            <a:avLst/>
+          </a:prstGeom>
+          <a:solidFill>
+            <a:schemeClr val="bg1">
+              <a:lumMod val="75000"/>
+            </a:schemeClr>
+          </a:solidFill>
+          <a:ln w="38100">
+            <a:solidFill>
+              <a:schemeClr val="tx1"/>
+            </a:solidFill>
+          </a:ln>
+        </p:spPr>
+        <p:style>
+          <a:lnRef idx="2">
+            <a:schemeClr val="accent1">
+              <a:shade val="15000"/>
+            </a:schemeClr>
+          </a:lnRef>
+          <a:fillRef idx="1">
+            <a:schemeClr val="accent1"/>
+          </a:fillRef>
+          <a:effectRef idx="0">
+            <a:schemeClr val="accent1"/>
+          </a:effectRef>
+          <a:fontRef idx="minor">
+            <a:schemeClr val="lt1"/>
+          </a:fontRef>
+        </p:style>
+        <p:txBody>
+          <a:bodyPr rtlCol="0" anchor="ctr"/>
+          <a:lstStyle/>
+          <a:p>
+            <a:pPr algn="ctr"/>
+            <a:endParaRPr lang="en-US"/>
+          </a:p>
+        </p:txBody>
+      </p:sp>
+      <p:sp>
+        <p:nvSpPr>
+          <p:cNvPr id="26" name="Rectangle 25">
+            <a:extLst>
+              <a:ext uri="{FF2B5EF4-FFF2-40B4-BE49-F238E27FC236}">
+                <a16:creationId xmlns:a16="http://schemas.microsoft.com/office/drawing/2014/main" id="{E3AFFC2E-098F-EFDD-5AA4-F767A558D72F}"/>
+              </a:ext>
+            </a:extLst>
+          </p:cNvPr>
+          <p:cNvSpPr/>
+          <p:nvPr/>
+        </p:nvSpPr>
+        <p:spPr>
+          <a:xfrm>
+            <a:off x="1179862" y="3200391"/>
+            <a:ext cx="1828800" cy="1828800"/>
+          </a:xfrm>
+          <a:prstGeom prst="rect">
+            <a:avLst/>
+          </a:prstGeom>
+          <a:solidFill>
+            <a:schemeClr val="bg1"/>
+          </a:solidFill>
+          <a:ln w="38100">
+            <a:solidFill>
+              <a:schemeClr val="tx1"/>
+            </a:solidFill>
+          </a:ln>
+        </p:spPr>
+        <p:style>
+          <a:lnRef idx="2">
+            <a:schemeClr val="accent1">
+              <a:shade val="15000"/>
+            </a:schemeClr>
+          </a:lnRef>
+          <a:fillRef idx="1">
+            <a:schemeClr val="accent1"/>
+          </a:fillRef>
+          <a:effectRef idx="0">
+            <a:schemeClr val="accent1"/>
+          </a:effectRef>
+          <a:fontRef idx="minor">
+            <a:schemeClr val="lt1"/>
+          </a:fontRef>
+        </p:style>
+        <p:txBody>
+          <a:bodyPr rtlCol="0" anchor="ctr"/>
+          <a:lstStyle/>
+          <a:p>
+            <a:pPr algn="ctr"/>
+            <a:endParaRPr lang="en-US"/>
+          </a:p>
+        </p:txBody>
+      </p:sp>
+      <p:sp>
+        <p:nvSpPr>
+          <p:cNvPr id="27" name="Rectangle 26">
+            <a:extLst>
+              <a:ext uri="{FF2B5EF4-FFF2-40B4-BE49-F238E27FC236}">
+                <a16:creationId xmlns:a16="http://schemas.microsoft.com/office/drawing/2014/main" id="{37B53CC4-BA71-EF3F-AC4D-4727207A9772}"/>
+              </a:ext>
+            </a:extLst>
+          </p:cNvPr>
+          <p:cNvSpPr/>
+          <p:nvPr/>
+        </p:nvSpPr>
+        <p:spPr>
+          <a:xfrm>
+            <a:off x="3518800" y="3200391"/>
+            <a:ext cx="1828800" cy="1828800"/>
+          </a:xfrm>
+          <a:prstGeom prst="rect">
+            <a:avLst/>
+          </a:prstGeom>
+          <a:noFill/>
+          <a:ln w="38100">
+            <a:solidFill>
+              <a:schemeClr val="tx1"/>
+            </a:solidFill>
+          </a:ln>
+        </p:spPr>
+        <p:style>
+          <a:lnRef idx="2">
+            <a:schemeClr val="accent1">
+              <a:shade val="15000"/>
+            </a:schemeClr>
+          </a:lnRef>
+          <a:fillRef idx="1">
+            <a:schemeClr val="accent1"/>
+          </a:fillRef>
+          <a:effectRef idx="0">
+            <a:schemeClr val="accent1"/>
+          </a:effectRef>
+          <a:fontRef idx="minor">
+            <a:schemeClr val="lt1"/>
+          </a:fontRef>
+        </p:style>
+        <p:txBody>
+          <a:bodyPr rtlCol="0" anchor="ctr"/>
+          <a:lstStyle/>
+          <a:p>
+            <a:pPr algn="ctr"/>
+            <a:endParaRPr lang="en-US"/>
+          </a:p>
+        </p:txBody>
+      </p:sp>
+      <p:sp>
+        <p:nvSpPr>
+          <p:cNvPr id="28" name="Rectangle 27">
+            <a:extLst>
+              <a:ext uri="{FF2B5EF4-FFF2-40B4-BE49-F238E27FC236}">
+                <a16:creationId xmlns:a16="http://schemas.microsoft.com/office/drawing/2014/main" id="{691168DA-D21C-6321-1F8A-073420CC3ECC}"/>
+              </a:ext>
+            </a:extLst>
+          </p:cNvPr>
+          <p:cNvSpPr/>
+          <p:nvPr/>
+        </p:nvSpPr>
+        <p:spPr>
+          <a:xfrm>
+            <a:off x="5804800" y="3200391"/>
+            <a:ext cx="1828800" cy="1828800"/>
+          </a:xfrm>
+          <a:prstGeom prst="rect">
+            <a:avLst/>
+          </a:prstGeom>
+          <a:solidFill>
+            <a:schemeClr val="bg1">
+              <a:lumMod val="75000"/>
+            </a:schemeClr>
+          </a:solidFill>
+          <a:ln w="38100">
+            <a:solidFill>
+              <a:schemeClr val="tx1"/>
+            </a:solidFill>
+          </a:ln>
+        </p:spPr>
+        <p:style>
+          <a:lnRef idx="2">
+            <a:schemeClr val="accent1">
+              <a:shade val="15000"/>
+            </a:schemeClr>
+          </a:lnRef>
+          <a:fillRef idx="1">
+            <a:schemeClr val="accent1"/>
+          </a:fillRef>
+          <a:effectRef idx="0">
+            <a:schemeClr val="accent1"/>
+          </a:effectRef>
+          <a:fontRef idx="minor">
+            <a:schemeClr val="lt1"/>
+          </a:fontRef>
+        </p:style>
+        <p:txBody>
+          <a:bodyPr rtlCol="0" anchor="ctr"/>
+          <a:lstStyle/>
+          <a:p>
+            <a:pPr algn="ctr"/>
+            <a:endParaRPr lang="en-US"/>
+          </a:p>
+        </p:txBody>
+      </p:sp>
+      <p:sp>
+        <p:nvSpPr>
+          <p:cNvPr id="29" name="Rectangle 28">
+            <a:extLst>
+              <a:ext uri="{FF2B5EF4-FFF2-40B4-BE49-F238E27FC236}">
+                <a16:creationId xmlns:a16="http://schemas.microsoft.com/office/drawing/2014/main" id="{FD015059-7277-12ED-C52B-A7C5B1197675}"/>
+              </a:ext>
+            </a:extLst>
+          </p:cNvPr>
+          <p:cNvSpPr/>
+          <p:nvPr/>
+        </p:nvSpPr>
+        <p:spPr>
+          <a:xfrm>
+            <a:off x="1179862" y="5394949"/>
+            <a:ext cx="1828800" cy="1828800"/>
+          </a:xfrm>
+          <a:prstGeom prst="rect">
+            <a:avLst/>
+          </a:prstGeom>
+          <a:solidFill>
+            <a:schemeClr val="bg1"/>
+          </a:solidFill>
+          <a:ln w="38100">
+            <a:solidFill>
+              <a:schemeClr val="tx1"/>
+            </a:solidFill>
+          </a:ln>
+        </p:spPr>
+        <p:style>
+          <a:lnRef idx="2">
+            <a:schemeClr val="accent1">
+              <a:shade val="15000"/>
+            </a:schemeClr>
+          </a:lnRef>
+          <a:fillRef idx="1">
+            <a:schemeClr val="accent1"/>
+          </a:fillRef>
+          <a:effectRef idx="0">
+            <a:schemeClr val="accent1"/>
+          </a:effectRef>
+          <a:fontRef idx="minor">
+            <a:schemeClr val="lt1"/>
+          </a:fontRef>
+        </p:style>
+        <p:txBody>
+          <a:bodyPr rtlCol="0" anchor="ctr"/>
+          <a:lstStyle/>
+          <a:p>
+            <a:pPr algn="ctr"/>
+            <a:endParaRPr lang="en-US"/>
+          </a:p>
+        </p:txBody>
+      </p:sp>
+      <p:sp>
+        <p:nvSpPr>
+          <p:cNvPr id="30" name="Rectangle 29">
+            <a:extLst>
+              <a:ext uri="{FF2B5EF4-FFF2-40B4-BE49-F238E27FC236}">
+                <a16:creationId xmlns:a16="http://schemas.microsoft.com/office/drawing/2014/main" id="{06D05338-9091-30D8-7600-A260481EA8CE}"/>
+              </a:ext>
+            </a:extLst>
+          </p:cNvPr>
+          <p:cNvSpPr/>
+          <p:nvPr/>
+        </p:nvSpPr>
+        <p:spPr>
+          <a:xfrm>
+            <a:off x="3518800" y="5394949"/>
+            <a:ext cx="1828800" cy="1828800"/>
+          </a:xfrm>
+          <a:prstGeom prst="rect">
+            <a:avLst/>
+          </a:prstGeom>
+          <a:noFill/>
+          <a:ln w="38100">
+            <a:solidFill>
+              <a:schemeClr val="tx1"/>
+            </a:solidFill>
+          </a:ln>
+        </p:spPr>
+        <p:style>
+          <a:lnRef idx="2">
+            <a:schemeClr val="accent1">
+              <a:shade val="15000"/>
+            </a:schemeClr>
+          </a:lnRef>
+          <a:fillRef idx="1">
+            <a:schemeClr val="accent1"/>
+          </a:fillRef>
+          <a:effectRef idx="0">
+            <a:schemeClr val="accent1"/>
+          </a:effectRef>
+          <a:fontRef idx="minor">
+            <a:schemeClr val="lt1"/>
+          </a:fontRef>
+        </p:style>
+        <p:txBody>
+          <a:bodyPr rtlCol="0" anchor="ctr"/>
+          <a:lstStyle/>
+          <a:p>
+            <a:pPr algn="ctr"/>
+            <a:endParaRPr lang="en-US"/>
+          </a:p>
+        </p:txBody>
+      </p:sp>
+      <p:sp>
+        <p:nvSpPr>
+          <p:cNvPr id="31" name="Rectangle 30">
+            <a:extLst>
+              <a:ext uri="{FF2B5EF4-FFF2-40B4-BE49-F238E27FC236}">
+                <a16:creationId xmlns:a16="http://schemas.microsoft.com/office/drawing/2014/main" id="{7234D0C8-92DC-FF6F-BC9A-EFF8AB437805}"/>
+              </a:ext>
+            </a:extLst>
+          </p:cNvPr>
+          <p:cNvSpPr/>
+          <p:nvPr/>
+        </p:nvSpPr>
+        <p:spPr>
+          <a:xfrm>
+            <a:off x="5804800" y="5394949"/>
+            <a:ext cx="1828800" cy="1828800"/>
+          </a:xfrm>
+          <a:prstGeom prst="rect">
+            <a:avLst/>
+          </a:prstGeom>
+          <a:solidFill>
+            <a:schemeClr val="bg1">
+              <a:lumMod val="75000"/>
+            </a:schemeClr>
+          </a:solidFill>
+          <a:ln w="38100">
+            <a:solidFill>
+              <a:schemeClr val="tx1"/>
+            </a:solidFill>
+          </a:ln>
+        </p:spPr>
+        <p:style>
+          <a:lnRef idx="2">
+            <a:schemeClr val="accent1">
+              <a:shade val="15000"/>
+            </a:schemeClr>
+          </a:lnRef>
+          <a:fillRef idx="1">
+            <a:schemeClr val="accent1"/>
+          </a:fillRef>
+          <a:effectRef idx="0">
+            <a:schemeClr val="accent1"/>
+          </a:effectRef>
+          <a:fontRef idx="minor">
+            <a:schemeClr val="lt1"/>
+          </a:fontRef>
+        </p:style>
+        <p:txBody>
+          <a:bodyPr rtlCol="0" anchor="ctr"/>
+          <a:lstStyle/>
+          <a:p>
+            <a:pPr algn="ctr"/>
+            <a:endParaRPr lang="en-US"/>
+          </a:p>
+        </p:txBody>
+      </p:sp>
+      <p:cxnSp>
+        <p:nvCxnSpPr>
+          <p:cNvPr id="35" name="Straight Connector 34">
+            <a:extLst>
+              <a:ext uri="{FF2B5EF4-FFF2-40B4-BE49-F238E27FC236}">
+                <a16:creationId xmlns:a16="http://schemas.microsoft.com/office/drawing/2014/main" id="{774B0967-15F7-FF16-9F6A-82A6ACC00A41}"/>
+              </a:ext>
+            </a:extLst>
+          </p:cNvPr>
+          <p:cNvCxnSpPr>
+            <a:stCxn id="23" idx="0"/>
+            <a:endCxn id="23" idx="2"/>
+          </p:cNvCxnSpPr>
+          <p:nvPr/>
+        </p:nvCxnSpPr>
+        <p:spPr>
+          <a:xfrm>
+            <a:off x="2094262" y="1005833"/>
+            <a:ext cx="0" cy="1828800"/>
+          </a:xfrm>
+          <a:prstGeom prst="line">
+            <a:avLst/>
+          </a:prstGeom>
+          <a:ln w="38100">
+            <a:solidFill>
+              <a:schemeClr val="tx1"/>
+            </a:solidFill>
+          </a:ln>
+        </p:spPr>
+        <p:style>
+          <a:lnRef idx="1">
+            <a:schemeClr val="accent1"/>
+          </a:lnRef>
+          <a:fillRef idx="0">
+            <a:schemeClr val="accent1"/>
+          </a:fillRef>
+          <a:effectRef idx="0">
+            <a:schemeClr val="accent1"/>
+          </a:effectRef>
+          <a:fontRef idx="minor">
+            <a:schemeClr val="tx1"/>
+          </a:fontRef>
+        </p:style>
+      </p:cxnSp>
+      <p:cxnSp>
+        <p:nvCxnSpPr>
+          <p:cNvPr id="37" name="Straight Connector 36">
+            <a:extLst>
+              <a:ext uri="{FF2B5EF4-FFF2-40B4-BE49-F238E27FC236}">
+                <a16:creationId xmlns:a16="http://schemas.microsoft.com/office/drawing/2014/main" id="{B9938220-D1D3-2314-8DC1-72AA2B625D45}"/>
+              </a:ext>
+            </a:extLst>
+          </p:cNvPr>
+          <p:cNvCxnSpPr>
+            <a:stCxn id="23" idx="3"/>
+            <a:endCxn id="23" idx="1"/>
+          </p:cNvCxnSpPr>
+          <p:nvPr/>
+        </p:nvCxnSpPr>
+        <p:spPr>
+          <a:xfrm flipH="1">
+            <a:off x="1179862" y="1920233"/>
+            <a:ext cx="1828800" cy="0"/>
+          </a:xfrm>
+          <a:prstGeom prst="line">
+            <a:avLst/>
+          </a:prstGeom>
+          <a:ln w="38100">
+            <a:solidFill>
+              <a:schemeClr val="tx1"/>
+            </a:solidFill>
+          </a:ln>
+        </p:spPr>
+        <p:style>
+          <a:lnRef idx="1">
+            <a:schemeClr val="accent1"/>
+          </a:lnRef>
+          <a:fillRef idx="0">
+            <a:schemeClr val="accent1"/>
+          </a:fillRef>
+          <a:effectRef idx="0">
+            <a:schemeClr val="accent1"/>
+          </a:effectRef>
+          <a:fontRef idx="minor">
+            <a:schemeClr val="tx1"/>
+          </a:fontRef>
+        </p:style>
+      </p:cxnSp>
+      <p:cxnSp>
+        <p:nvCxnSpPr>
+          <p:cNvPr id="38" name="Straight Connector 37">
+            <a:extLst>
+              <a:ext uri="{FF2B5EF4-FFF2-40B4-BE49-F238E27FC236}">
+                <a16:creationId xmlns:a16="http://schemas.microsoft.com/office/drawing/2014/main" id="{7378F25A-7C53-29A8-60DD-FABC428644DD}"/>
+              </a:ext>
+            </a:extLst>
+          </p:cNvPr>
+          <p:cNvCxnSpPr>
+            <a:cxnSpLocks/>
+            <a:stCxn id="24" idx="3"/>
+            <a:endCxn id="24" idx="1"/>
+          </p:cNvCxnSpPr>
+          <p:nvPr/>
+        </p:nvCxnSpPr>
+        <p:spPr>
+          <a:xfrm flipH="1">
+            <a:off x="3518800" y="1920233"/>
+            <a:ext cx="1828800" cy="0"/>
+          </a:xfrm>
+          <a:prstGeom prst="line">
+            <a:avLst/>
+          </a:prstGeom>
+          <a:ln w="38100">
+            <a:solidFill>
+              <a:schemeClr val="tx1"/>
+            </a:solidFill>
+          </a:ln>
+        </p:spPr>
+        <p:style>
+          <a:lnRef idx="1">
+            <a:schemeClr val="accent1"/>
+          </a:lnRef>
+          <a:fillRef idx="0">
+            <a:schemeClr val="accent1"/>
+          </a:fillRef>
+          <a:effectRef idx="0">
+            <a:schemeClr val="accent1"/>
+          </a:effectRef>
+          <a:fontRef idx="minor">
+            <a:schemeClr val="tx1"/>
+          </a:fontRef>
+        </p:style>
+      </p:cxnSp>
+      <p:cxnSp>
+        <p:nvCxnSpPr>
+          <p:cNvPr id="39" name="Straight Connector 38">
+            <a:extLst>
+              <a:ext uri="{FF2B5EF4-FFF2-40B4-BE49-F238E27FC236}">
+                <a16:creationId xmlns:a16="http://schemas.microsoft.com/office/drawing/2014/main" id="{BF9EDBEA-5908-7327-3B7A-A564ABDD9502}"/>
+              </a:ext>
+            </a:extLst>
+          </p:cNvPr>
+          <p:cNvCxnSpPr/>
+          <p:nvPr/>
+        </p:nvCxnSpPr>
+        <p:spPr>
+          <a:xfrm>
+            <a:off x="6719200" y="999415"/>
+            <a:ext cx="0" cy="1828800"/>
+          </a:xfrm>
+          <a:prstGeom prst="line">
+            <a:avLst/>
+          </a:prstGeom>
+          <a:ln w="38100">
+            <a:solidFill>
+              <a:schemeClr val="tx1"/>
+            </a:solidFill>
+          </a:ln>
+        </p:spPr>
+        <p:style>
+          <a:lnRef idx="1">
+            <a:schemeClr val="accent1"/>
+          </a:lnRef>
+          <a:fillRef idx="0">
+            <a:schemeClr val="accent1"/>
+          </a:fillRef>
+          <a:effectRef idx="0">
+            <a:schemeClr val="accent1"/>
+          </a:effectRef>
+          <a:fontRef idx="minor">
+            <a:schemeClr val="tx1"/>
+          </a:fontRef>
+        </p:style>
+      </p:cxnSp>
+      <p:cxnSp>
+        <p:nvCxnSpPr>
+          <p:cNvPr id="40" name="Straight Connector 39">
+            <a:extLst>
+              <a:ext uri="{FF2B5EF4-FFF2-40B4-BE49-F238E27FC236}">
+                <a16:creationId xmlns:a16="http://schemas.microsoft.com/office/drawing/2014/main" id="{1FC34B52-8942-3A51-92FB-C04E8FB4E599}"/>
+              </a:ext>
+            </a:extLst>
+          </p:cNvPr>
+          <p:cNvCxnSpPr/>
+          <p:nvPr/>
+        </p:nvCxnSpPr>
+        <p:spPr>
+          <a:xfrm flipH="1">
+            <a:off x="5804800" y="1913815"/>
+            <a:ext cx="1828800" cy="0"/>
+          </a:xfrm>
+          <a:prstGeom prst="line">
+            <a:avLst/>
+          </a:prstGeom>
+          <a:ln w="38100">
+            <a:solidFill>
+              <a:schemeClr val="tx1"/>
+            </a:solidFill>
+          </a:ln>
+        </p:spPr>
+        <p:style>
+          <a:lnRef idx="1">
+            <a:schemeClr val="accent1"/>
+          </a:lnRef>
+          <a:fillRef idx="0">
+            <a:schemeClr val="accent1"/>
+          </a:fillRef>
+          <a:effectRef idx="0">
+            <a:schemeClr val="accent1"/>
+          </a:effectRef>
+          <a:fontRef idx="minor">
+            <a:schemeClr val="tx1"/>
+          </a:fontRef>
+        </p:style>
+      </p:cxnSp>
+      <p:cxnSp>
+        <p:nvCxnSpPr>
+          <p:cNvPr id="43" name="Straight Connector 42">
+            <a:extLst>
+              <a:ext uri="{FF2B5EF4-FFF2-40B4-BE49-F238E27FC236}">
+                <a16:creationId xmlns:a16="http://schemas.microsoft.com/office/drawing/2014/main" id="{00CE357E-C7A4-F468-1F1E-EDF1D1F2CCF8}"/>
+              </a:ext>
+            </a:extLst>
+          </p:cNvPr>
+          <p:cNvCxnSpPr>
+            <a:cxnSpLocks/>
+            <a:stCxn id="26" idx="3"/>
+            <a:endCxn id="26" idx="1"/>
+          </p:cNvCxnSpPr>
+          <p:nvPr/>
+        </p:nvCxnSpPr>
+        <p:spPr>
+          <a:xfrm flipH="1">
+            <a:off x="1179862" y="4114791"/>
+            <a:ext cx="1828800" cy="0"/>
+          </a:xfrm>
+          <a:prstGeom prst="line">
+            <a:avLst/>
+          </a:prstGeom>
+          <a:ln w="38100">
+            <a:solidFill>
+              <a:schemeClr val="tx1"/>
+            </a:solidFill>
+          </a:ln>
+        </p:spPr>
+        <p:style>
+          <a:lnRef idx="1">
+            <a:schemeClr val="accent1"/>
+          </a:lnRef>
+          <a:fillRef idx="0">
+            <a:schemeClr val="accent1"/>
+          </a:fillRef>
+          <a:effectRef idx="0">
+            <a:schemeClr val="accent1"/>
+          </a:effectRef>
+          <a:fontRef idx="minor">
+            <a:schemeClr val="tx1"/>
+          </a:fontRef>
+        </p:style>
+      </p:cxnSp>
+      <p:cxnSp>
+        <p:nvCxnSpPr>
+          <p:cNvPr id="46" name="Straight Connector 45">
+            <a:extLst>
+              <a:ext uri="{FF2B5EF4-FFF2-40B4-BE49-F238E27FC236}">
+                <a16:creationId xmlns:a16="http://schemas.microsoft.com/office/drawing/2014/main" id="{0F5C6843-65A1-0526-B379-C75BE0C32540}"/>
+              </a:ext>
+            </a:extLst>
+          </p:cNvPr>
+          <p:cNvCxnSpPr>
+            <a:cxnSpLocks/>
+          </p:cNvCxnSpPr>
+          <p:nvPr/>
+        </p:nvCxnSpPr>
+        <p:spPr>
+          <a:xfrm flipH="1">
+            <a:off x="3518800" y="4114791"/>
+            <a:ext cx="1828800" cy="0"/>
+          </a:xfrm>
+          <a:prstGeom prst="line">
+            <a:avLst/>
+          </a:prstGeom>
+          <a:ln w="38100">
+            <a:solidFill>
+              <a:schemeClr val="tx1"/>
+            </a:solidFill>
+          </a:ln>
+        </p:spPr>
+        <p:style>
+          <a:lnRef idx="1">
+            <a:schemeClr val="accent1"/>
+          </a:lnRef>
+          <a:fillRef idx="0">
+            <a:schemeClr val="accent1"/>
+          </a:fillRef>
+          <a:effectRef idx="0">
+            <a:schemeClr val="accent1"/>
+          </a:effectRef>
+          <a:fontRef idx="minor">
+            <a:schemeClr val="tx1"/>
+          </a:fontRef>
+        </p:style>
+      </p:cxnSp>
+      <p:cxnSp>
+        <p:nvCxnSpPr>
+          <p:cNvPr id="47" name="Straight Connector 46">
+            <a:extLst>
+              <a:ext uri="{FF2B5EF4-FFF2-40B4-BE49-F238E27FC236}">
+                <a16:creationId xmlns:a16="http://schemas.microsoft.com/office/drawing/2014/main" id="{24141A95-0EED-EC40-FF52-1ECD388C8F76}"/>
+              </a:ext>
+            </a:extLst>
+          </p:cNvPr>
+          <p:cNvCxnSpPr>
+            <a:cxnSpLocks/>
+          </p:cNvCxnSpPr>
+          <p:nvPr/>
+        </p:nvCxnSpPr>
+        <p:spPr>
+          <a:xfrm flipH="1">
+            <a:off x="5804800" y="4114791"/>
+            <a:ext cx="1828800" cy="0"/>
+          </a:xfrm>
+          <a:prstGeom prst="line">
+            <a:avLst/>
+          </a:prstGeom>
+          <a:ln w="38100">
+            <a:solidFill>
+              <a:schemeClr val="tx1"/>
+            </a:solidFill>
+          </a:ln>
+        </p:spPr>
+        <p:style>
+          <a:lnRef idx="1">
+            <a:schemeClr val="accent1"/>
+          </a:lnRef>
+          <a:fillRef idx="0">
+            <a:schemeClr val="accent1"/>
+          </a:fillRef>
+          <a:effectRef idx="0">
+            <a:schemeClr val="accent1"/>
+          </a:effectRef>
+          <a:fontRef idx="minor">
+            <a:schemeClr val="tx1"/>
+          </a:fontRef>
+        </p:style>
+      </p:cxnSp>
+      <p:cxnSp>
+        <p:nvCxnSpPr>
+          <p:cNvPr id="48" name="Straight Connector 47">
+            <a:extLst>
+              <a:ext uri="{FF2B5EF4-FFF2-40B4-BE49-F238E27FC236}">
+                <a16:creationId xmlns:a16="http://schemas.microsoft.com/office/drawing/2014/main" id="{D8CCE600-3EB4-994C-83A3-ACEEB8748771}"/>
+              </a:ext>
+            </a:extLst>
+          </p:cNvPr>
+          <p:cNvCxnSpPr>
+            <a:cxnSpLocks/>
+            <a:stCxn id="29" idx="3"/>
+            <a:endCxn id="29" idx="1"/>
+          </p:cNvCxnSpPr>
+          <p:nvPr/>
+        </p:nvCxnSpPr>
+        <p:spPr>
+          <a:xfrm flipH="1">
+            <a:off x="1179862" y="6309349"/>
+            <a:ext cx="1828800" cy="0"/>
+          </a:xfrm>
+          <a:prstGeom prst="line">
+            <a:avLst/>
+          </a:prstGeom>
+          <a:ln w="38100">
+            <a:solidFill>
+              <a:schemeClr val="tx1"/>
+            </a:solidFill>
+          </a:ln>
+        </p:spPr>
+        <p:style>
+          <a:lnRef idx="1">
+            <a:schemeClr val="accent1"/>
+          </a:lnRef>
+          <a:fillRef idx="0">
+            <a:schemeClr val="accent1"/>
+          </a:fillRef>
+          <a:effectRef idx="0">
+            <a:schemeClr val="accent1"/>
+          </a:effectRef>
+          <a:fontRef idx="minor">
+            <a:schemeClr val="tx1"/>
+          </a:fontRef>
+        </p:style>
+      </p:cxnSp>
+      <p:cxnSp>
+        <p:nvCxnSpPr>
+          <p:cNvPr id="51" name="Straight Connector 50">
+            <a:extLst>
+              <a:ext uri="{FF2B5EF4-FFF2-40B4-BE49-F238E27FC236}">
+                <a16:creationId xmlns:a16="http://schemas.microsoft.com/office/drawing/2014/main" id="{254BB670-DE6E-0BAF-A7A8-DFCDBEDDF8EF}"/>
+              </a:ext>
+            </a:extLst>
+          </p:cNvPr>
+          <p:cNvCxnSpPr>
+            <a:cxnSpLocks/>
+          </p:cNvCxnSpPr>
+          <p:nvPr/>
+        </p:nvCxnSpPr>
+        <p:spPr>
+          <a:xfrm flipH="1">
+            <a:off x="3518800" y="6309349"/>
+            <a:ext cx="1828800" cy="0"/>
+          </a:xfrm>
+          <a:prstGeom prst="line">
+            <a:avLst/>
+          </a:prstGeom>
+          <a:ln w="38100">
+            <a:solidFill>
+              <a:schemeClr val="tx1"/>
+            </a:solidFill>
+          </a:ln>
+        </p:spPr>
+        <p:style>
+          <a:lnRef idx="1">
+            <a:schemeClr val="accent1"/>
+          </a:lnRef>
+          <a:fillRef idx="0">
+            <a:schemeClr val="accent1"/>
+          </a:fillRef>
+          <a:effectRef idx="0">
+            <a:schemeClr val="accent1"/>
+          </a:effectRef>
+          <a:fontRef idx="minor">
+            <a:schemeClr val="tx1"/>
+          </a:fontRef>
+        </p:style>
+      </p:cxnSp>
+      <p:cxnSp>
+        <p:nvCxnSpPr>
+          <p:cNvPr id="52" name="Straight Connector 51">
+            <a:extLst>
+              <a:ext uri="{FF2B5EF4-FFF2-40B4-BE49-F238E27FC236}">
+                <a16:creationId xmlns:a16="http://schemas.microsoft.com/office/drawing/2014/main" id="{9415A4DA-7C4D-0B4A-106F-803B31204E5E}"/>
+              </a:ext>
+            </a:extLst>
+          </p:cNvPr>
+          <p:cNvCxnSpPr>
+            <a:cxnSpLocks/>
+          </p:cNvCxnSpPr>
+          <p:nvPr/>
+        </p:nvCxnSpPr>
+        <p:spPr>
+          <a:xfrm flipH="1">
+            <a:off x="5804800" y="6309349"/>
+            <a:ext cx="1828800" cy="0"/>
+          </a:xfrm>
+          <a:prstGeom prst="line">
+            <a:avLst/>
+          </a:prstGeom>
+          <a:ln w="38100">
+            <a:solidFill>
+              <a:schemeClr val="tx1"/>
+            </a:solidFill>
+          </a:ln>
+        </p:spPr>
+        <p:style>
+          <a:lnRef idx="1">
+            <a:schemeClr val="accent1"/>
+          </a:lnRef>
+          <a:fillRef idx="0">
+            <a:schemeClr val="accent1"/>
+          </a:fillRef>
+          <a:effectRef idx="0">
+            <a:schemeClr val="accent1"/>
+          </a:effectRef>
+          <a:fontRef idx="minor">
+            <a:schemeClr val="tx1"/>
+          </a:fontRef>
+        </p:style>
+      </p:cxnSp>
+      <p:cxnSp>
+        <p:nvCxnSpPr>
+          <p:cNvPr id="53" name="Straight Connector 52">
+            <a:extLst>
+              <a:ext uri="{FF2B5EF4-FFF2-40B4-BE49-F238E27FC236}">
+                <a16:creationId xmlns:a16="http://schemas.microsoft.com/office/drawing/2014/main" id="{DEC2706B-1889-72D1-F0E8-3E3B55FA692B}"/>
+              </a:ext>
+            </a:extLst>
+          </p:cNvPr>
+          <p:cNvCxnSpPr/>
+          <p:nvPr/>
+        </p:nvCxnSpPr>
+        <p:spPr>
+          <a:xfrm>
+            <a:off x="2094262" y="3200391"/>
+            <a:ext cx="0" cy="1828800"/>
+          </a:xfrm>
+          <a:prstGeom prst="line">
+            <a:avLst/>
+          </a:prstGeom>
+          <a:ln w="38100">
+            <a:solidFill>
+              <a:schemeClr val="tx1"/>
+            </a:solidFill>
+          </a:ln>
+        </p:spPr>
+        <p:style>
+          <a:lnRef idx="1">
+            <a:schemeClr val="accent1"/>
+          </a:lnRef>
+          <a:fillRef idx="0">
+            <a:schemeClr val="accent1"/>
+          </a:fillRef>
+          <a:effectRef idx="0">
+            <a:schemeClr val="accent1"/>
+          </a:effectRef>
+          <a:fontRef idx="minor">
+            <a:schemeClr val="tx1"/>
+          </a:fontRef>
+        </p:style>
+      </p:cxnSp>
+      <p:cxnSp>
+        <p:nvCxnSpPr>
+          <p:cNvPr id="54" name="Straight Connector 53">
+            <a:extLst>
+              <a:ext uri="{FF2B5EF4-FFF2-40B4-BE49-F238E27FC236}">
+                <a16:creationId xmlns:a16="http://schemas.microsoft.com/office/drawing/2014/main" id="{73B5AB34-52CF-0554-3E4A-7804676DC8C0}"/>
+              </a:ext>
+            </a:extLst>
+          </p:cNvPr>
+          <p:cNvCxnSpPr/>
+          <p:nvPr/>
+        </p:nvCxnSpPr>
+        <p:spPr>
+          <a:xfrm>
+            <a:off x="2094262" y="5394949"/>
+            <a:ext cx="0" cy="1828800"/>
+          </a:xfrm>
+          <a:prstGeom prst="line">
+            <a:avLst/>
+          </a:prstGeom>
+          <a:ln w="38100">
+            <a:solidFill>
+              <a:schemeClr val="tx1"/>
+            </a:solidFill>
+          </a:ln>
+        </p:spPr>
+        <p:style>
+          <a:lnRef idx="1">
+            <a:schemeClr val="accent1"/>
+          </a:lnRef>
+          <a:fillRef idx="0">
+            <a:schemeClr val="accent1"/>
+          </a:fillRef>
+          <a:effectRef idx="0">
+            <a:schemeClr val="accent1"/>
+          </a:effectRef>
+          <a:fontRef idx="minor">
+            <a:schemeClr val="tx1"/>
+          </a:fontRef>
+        </p:style>
+      </p:cxnSp>
+      <p:cxnSp>
+        <p:nvCxnSpPr>
+          <p:cNvPr id="55" name="Straight Connector 54">
+            <a:extLst>
+              <a:ext uri="{FF2B5EF4-FFF2-40B4-BE49-F238E27FC236}">
+                <a16:creationId xmlns:a16="http://schemas.microsoft.com/office/drawing/2014/main" id="{D51A905F-886D-BEA2-80BE-F12DFF3D4CE7}"/>
+              </a:ext>
+            </a:extLst>
+          </p:cNvPr>
+          <p:cNvCxnSpPr/>
+          <p:nvPr/>
+        </p:nvCxnSpPr>
+        <p:spPr>
+          <a:xfrm>
+            <a:off x="6717597" y="3200391"/>
+            <a:ext cx="0" cy="1828800"/>
+          </a:xfrm>
+          <a:prstGeom prst="line">
+            <a:avLst/>
+          </a:prstGeom>
+          <a:ln w="38100">
+            <a:solidFill>
+              <a:schemeClr val="tx1"/>
+            </a:solidFill>
+          </a:ln>
+        </p:spPr>
+        <p:style>
+          <a:lnRef idx="1">
+            <a:schemeClr val="accent1"/>
+          </a:lnRef>
+          <a:fillRef idx="0">
+            <a:schemeClr val="accent1"/>
+          </a:fillRef>
+          <a:effectRef idx="0">
+            <a:schemeClr val="accent1"/>
+          </a:effectRef>
+          <a:fontRef idx="minor">
+            <a:schemeClr val="tx1"/>
+          </a:fontRef>
+        </p:style>
+      </p:cxnSp>
+      <p:cxnSp>
+        <p:nvCxnSpPr>
+          <p:cNvPr id="56" name="Straight Connector 55">
+            <a:extLst>
+              <a:ext uri="{FF2B5EF4-FFF2-40B4-BE49-F238E27FC236}">
+                <a16:creationId xmlns:a16="http://schemas.microsoft.com/office/drawing/2014/main" id="{0800AAC7-3BE3-DD99-1846-D844D0CCBED3}"/>
+              </a:ext>
+            </a:extLst>
+          </p:cNvPr>
+          <p:cNvCxnSpPr/>
+          <p:nvPr/>
+        </p:nvCxnSpPr>
+        <p:spPr>
+          <a:xfrm>
+            <a:off x="6717596" y="5394949"/>
+            <a:ext cx="0" cy="1828800"/>
+          </a:xfrm>
+          <a:prstGeom prst="line">
+            <a:avLst/>
+          </a:prstGeom>
+          <a:ln w="38100">
+            <a:solidFill>
+              <a:schemeClr val="tx1"/>
+            </a:solidFill>
+          </a:ln>
+        </p:spPr>
+        <p:style>
+          <a:lnRef idx="1">
+            <a:schemeClr val="accent1"/>
+          </a:lnRef>
+          <a:fillRef idx="0">
+            <a:schemeClr val="accent1"/>
+          </a:fillRef>
+          <a:effectRef idx="0">
+            <a:schemeClr val="accent1"/>
+          </a:effectRef>
+          <a:fontRef idx="minor">
+            <a:schemeClr val="tx1"/>
+          </a:fontRef>
+        </p:style>
+      </p:cxnSp>
+      <p:cxnSp>
+        <p:nvCxnSpPr>
+          <p:cNvPr id="57" name="Straight Connector 56">
+            <a:extLst>
+              <a:ext uri="{FF2B5EF4-FFF2-40B4-BE49-F238E27FC236}">
+                <a16:creationId xmlns:a16="http://schemas.microsoft.com/office/drawing/2014/main" id="{7EDC173B-32D9-4282-FD2D-D8562B57E081}"/>
+              </a:ext>
+            </a:extLst>
+          </p:cNvPr>
+          <p:cNvCxnSpPr/>
+          <p:nvPr/>
+        </p:nvCxnSpPr>
+        <p:spPr>
+          <a:xfrm>
+            <a:off x="4433200" y="1005833"/>
+            <a:ext cx="0" cy="1828800"/>
+          </a:xfrm>
+          <a:prstGeom prst="line">
+            <a:avLst/>
+          </a:prstGeom>
+          <a:ln w="38100">
+            <a:solidFill>
+              <a:schemeClr val="tx1"/>
+            </a:solidFill>
+          </a:ln>
+        </p:spPr>
+        <p:style>
+          <a:lnRef idx="1">
+            <a:schemeClr val="accent1"/>
+          </a:lnRef>
+          <a:fillRef idx="0">
+            <a:schemeClr val="accent1"/>
+          </a:fillRef>
+          <a:effectRef idx="0">
+            <a:schemeClr val="accent1"/>
+          </a:effectRef>
+          <a:fontRef idx="minor">
+            <a:schemeClr val="tx1"/>
+          </a:fontRef>
+        </p:style>
+      </p:cxnSp>
+      <p:cxnSp>
+        <p:nvCxnSpPr>
+          <p:cNvPr id="58" name="Straight Connector 57">
+            <a:extLst>
+              <a:ext uri="{FF2B5EF4-FFF2-40B4-BE49-F238E27FC236}">
+                <a16:creationId xmlns:a16="http://schemas.microsoft.com/office/drawing/2014/main" id="{80A24BC1-6DE8-3EDE-394D-8B5DAE4E202D}"/>
+              </a:ext>
+            </a:extLst>
+          </p:cNvPr>
+          <p:cNvCxnSpPr/>
+          <p:nvPr/>
+        </p:nvCxnSpPr>
+        <p:spPr>
+          <a:xfrm>
+            <a:off x="4433200" y="3200391"/>
+            <a:ext cx="0" cy="1828800"/>
+          </a:xfrm>
+          <a:prstGeom prst="line">
+            <a:avLst/>
+          </a:prstGeom>
+          <a:ln w="38100">
+            <a:solidFill>
+              <a:schemeClr val="tx1"/>
+            </a:solidFill>
+          </a:ln>
+        </p:spPr>
+        <p:style>
+          <a:lnRef idx="1">
+            <a:schemeClr val="accent1"/>
+          </a:lnRef>
+          <a:fillRef idx="0">
+            <a:schemeClr val="accent1"/>
+          </a:fillRef>
+          <a:effectRef idx="0">
+            <a:schemeClr val="accent1"/>
+          </a:effectRef>
+          <a:fontRef idx="minor">
+            <a:schemeClr val="tx1"/>
+          </a:fontRef>
+        </p:style>
+      </p:cxnSp>
+      <p:cxnSp>
+        <p:nvCxnSpPr>
+          <p:cNvPr id="59" name="Straight Connector 58">
+            <a:extLst>
+              <a:ext uri="{FF2B5EF4-FFF2-40B4-BE49-F238E27FC236}">
+                <a16:creationId xmlns:a16="http://schemas.microsoft.com/office/drawing/2014/main" id="{E90588D1-854E-1216-AC3D-60AAF87410F3}"/>
+              </a:ext>
+            </a:extLst>
+          </p:cNvPr>
+          <p:cNvCxnSpPr/>
+          <p:nvPr/>
+        </p:nvCxnSpPr>
+        <p:spPr>
+          <a:xfrm>
+            <a:off x="4433200" y="5400970"/>
+            <a:ext cx="0" cy="1828800"/>
+          </a:xfrm>
+          <a:prstGeom prst="line">
+            <a:avLst/>
+          </a:prstGeom>
+          <a:ln w="38100">
+            <a:solidFill>
+              <a:schemeClr val="tx1"/>
+            </a:solidFill>
+          </a:ln>
+        </p:spPr>
+        <p:style>
+          <a:lnRef idx="1">
+            <a:schemeClr val="accent1"/>
+          </a:lnRef>
+          <a:fillRef idx="0">
+            <a:schemeClr val="accent1"/>
+          </a:fillRef>
+          <a:effectRef idx="0">
+            <a:schemeClr val="accent1"/>
+          </a:effectRef>
+          <a:fontRef idx="minor">
+            <a:schemeClr val="tx1"/>
+          </a:fontRef>
+        </p:style>
+      </p:cxnSp>
+      <p:cxnSp>
+        <p:nvCxnSpPr>
+          <p:cNvPr id="21" name="Straight Connector 20">
+            <a:extLst>
+              <a:ext uri="{FF2B5EF4-FFF2-40B4-BE49-F238E27FC236}">
+                <a16:creationId xmlns:a16="http://schemas.microsoft.com/office/drawing/2014/main" id="{0B853731-8CAF-E568-5CB7-24CF4A05EBF2}"/>
+              </a:ext>
+            </a:extLst>
+          </p:cNvPr>
+          <p:cNvCxnSpPr>
+            <a:cxnSpLocks/>
+            <a:stCxn id="4" idx="0"/>
+            <a:endCxn id="4" idx="2"/>
+          </p:cNvCxnSpPr>
+          <p:nvPr/>
+        </p:nvCxnSpPr>
+        <p:spPr>
+          <a:xfrm>
+            <a:off x="4433200" y="457200"/>
+            <a:ext cx="0" cy="7315200"/>
+          </a:xfrm>
+          <a:prstGeom prst="line">
+            <a:avLst/>
+          </a:prstGeom>
+          <a:ln w="38100">
+            <a:solidFill>
+              <a:schemeClr val="accent2"/>
+            </a:solidFill>
+            <a:prstDash val="dash"/>
+          </a:ln>
+        </p:spPr>
+        <p:style>
+          <a:lnRef idx="1">
+            <a:schemeClr val="accent1"/>
+          </a:lnRef>
+          <a:fillRef idx="0">
+            <a:schemeClr val="accent1"/>
+          </a:fillRef>
+          <a:effectRef idx="0">
+            <a:schemeClr val="accent1"/>
+          </a:effectRef>
+          <a:fontRef idx="minor">
+            <a:schemeClr val="tx1"/>
+          </a:fontRef>
+        </p:style>
+      </p:cxnSp>
+      <p:sp>
+        <p:nvSpPr>
+          <p:cNvPr id="4" name="Rectangle 3">
+            <a:extLst>
+              <a:ext uri="{FF2B5EF4-FFF2-40B4-BE49-F238E27FC236}">
+                <a16:creationId xmlns:a16="http://schemas.microsoft.com/office/drawing/2014/main" id="{89BF92F2-1E5A-FFF7-74DF-8BD7F127C12F}"/>
+              </a:ext>
+            </a:extLst>
+          </p:cNvPr>
+          <p:cNvSpPr/>
+          <p:nvPr/>
+        </p:nvSpPr>
+        <p:spPr>
+          <a:xfrm>
+            <a:off x="775600" y="457200"/>
+            <a:ext cx="7315200" cy="7315200"/>
+          </a:xfrm>
+          <a:prstGeom prst="rect">
+            <a:avLst/>
+          </a:prstGeom>
+          <a:noFill/>
+          <a:ln w="76200">
+            <a:solidFill>
+              <a:schemeClr val="tx1"/>
+            </a:solidFill>
+          </a:ln>
+        </p:spPr>
+        <p:style>
+          <a:lnRef idx="2">
+            <a:schemeClr val="accent1">
+              <a:shade val="15000"/>
+            </a:schemeClr>
+          </a:lnRef>
+          <a:fillRef idx="1">
+            <a:schemeClr val="accent1"/>
+          </a:fillRef>
+          <a:effectRef idx="0">
+            <a:schemeClr val="accent1"/>
+          </a:effectRef>
+          <a:fontRef idx="minor">
+            <a:schemeClr val="lt1"/>
+          </a:fontRef>
+        </p:style>
+        <p:txBody>
+          <a:bodyPr rtlCol="0" anchor="ctr"/>
+          <a:lstStyle/>
+          <a:p>
+            <a:pPr algn="ctr"/>
+            <a:endParaRPr lang="en-US"/>
+          </a:p>
+        </p:txBody>
+      </p:sp>
+      <p:sp>
+        <p:nvSpPr>
+          <p:cNvPr id="65" name="TextBox 64">
+            <a:extLst>
+              <a:ext uri="{FF2B5EF4-FFF2-40B4-BE49-F238E27FC236}">
+                <a16:creationId xmlns:a16="http://schemas.microsoft.com/office/drawing/2014/main" id="{6A9F0DF2-B6F0-47FD-302A-761647F5F014}"/>
+              </a:ext>
+            </a:extLst>
+          </p:cNvPr>
+          <p:cNvSpPr txBox="1"/>
+          <p:nvPr/>
+        </p:nvSpPr>
+        <p:spPr>
+          <a:xfrm>
+            <a:off x="1292487" y="996001"/>
+            <a:ext cx="269626" cy="276999"/>
+          </a:xfrm>
+          <a:prstGeom prst="rect">
+            <a:avLst/>
+          </a:prstGeom>
+          <a:noFill/>
+        </p:spPr>
+        <p:txBody>
+          <a:bodyPr wrap="none" rtlCol="0">
+            <a:spAutoFit/>
+          </a:bodyPr>
+          <a:lstStyle/>
+          <a:p>
+            <a:r>
+              <a:rPr lang="en-US" sz="1200" dirty="0">
+                <a:latin typeface="Arial" panose="020B0604020202020204" pitchFamily="34" charset="0"/>
+                <a:cs typeface="Arial" panose="020B0604020202020204" pitchFamily="34" charset="0"/>
+              </a:rPr>
+              <a:t>1</a:t>
+            </a:r>
+          </a:p>
+        </p:txBody>
+      </p:sp>
+      <p:sp>
+        <p:nvSpPr>
+          <p:cNvPr id="66" name="TextBox 65">
+            <a:extLst>
+              <a:ext uri="{FF2B5EF4-FFF2-40B4-BE49-F238E27FC236}">
+                <a16:creationId xmlns:a16="http://schemas.microsoft.com/office/drawing/2014/main" id="{07307B73-BC8F-1A38-6AE4-DDD385DDDCC6}"/>
+              </a:ext>
+            </a:extLst>
+          </p:cNvPr>
+          <p:cNvSpPr txBox="1"/>
+          <p:nvPr/>
+        </p:nvSpPr>
+        <p:spPr>
+          <a:xfrm>
+            <a:off x="2206887" y="996001"/>
+            <a:ext cx="269626" cy="276999"/>
+          </a:xfrm>
+          <a:prstGeom prst="rect">
+            <a:avLst/>
+          </a:prstGeom>
+          <a:noFill/>
+        </p:spPr>
+        <p:txBody>
+          <a:bodyPr wrap="none" rtlCol="0">
+            <a:spAutoFit/>
+          </a:bodyPr>
+          <a:lstStyle/>
+          <a:p>
+            <a:r>
+              <a:rPr lang="en-US" sz="1200" dirty="0">
+                <a:latin typeface="Arial" panose="020B0604020202020204" pitchFamily="34" charset="0"/>
+                <a:cs typeface="Arial" panose="020B0604020202020204" pitchFamily="34" charset="0"/>
+              </a:rPr>
+              <a:t>2</a:t>
+            </a:r>
+          </a:p>
+        </p:txBody>
+      </p:sp>
+      <p:sp>
+        <p:nvSpPr>
+          <p:cNvPr id="67" name="TextBox 66">
+            <a:extLst>
+              <a:ext uri="{FF2B5EF4-FFF2-40B4-BE49-F238E27FC236}">
+                <a16:creationId xmlns:a16="http://schemas.microsoft.com/office/drawing/2014/main" id="{4323E6FD-E2A2-CF80-AE1F-20FC4FD3367D}"/>
+              </a:ext>
+            </a:extLst>
+          </p:cNvPr>
+          <p:cNvSpPr txBox="1"/>
+          <p:nvPr/>
+        </p:nvSpPr>
+        <p:spPr>
+          <a:xfrm>
+            <a:off x="3635427" y="996001"/>
+            <a:ext cx="269626" cy="276999"/>
+          </a:xfrm>
+          <a:prstGeom prst="rect">
+            <a:avLst/>
+          </a:prstGeom>
+          <a:noFill/>
+        </p:spPr>
+        <p:txBody>
+          <a:bodyPr wrap="none" rtlCol="0">
+            <a:spAutoFit/>
+          </a:bodyPr>
+          <a:lstStyle/>
+          <a:p>
+            <a:r>
+              <a:rPr lang="en-US" sz="1200" dirty="0">
+                <a:latin typeface="Arial" panose="020B0604020202020204" pitchFamily="34" charset="0"/>
+                <a:cs typeface="Arial" panose="020B0604020202020204" pitchFamily="34" charset="0"/>
+              </a:rPr>
+              <a:t>3</a:t>
+            </a:r>
+          </a:p>
+        </p:txBody>
+      </p:sp>
+      <p:sp>
+        <p:nvSpPr>
+          <p:cNvPr id="68" name="TextBox 67">
+            <a:extLst>
+              <a:ext uri="{FF2B5EF4-FFF2-40B4-BE49-F238E27FC236}">
+                <a16:creationId xmlns:a16="http://schemas.microsoft.com/office/drawing/2014/main" id="{9F16120A-5618-9C4D-AC7A-28488F0F7AC8}"/>
+              </a:ext>
+            </a:extLst>
+          </p:cNvPr>
+          <p:cNvSpPr txBox="1"/>
+          <p:nvPr/>
+        </p:nvSpPr>
+        <p:spPr>
+          <a:xfrm>
+            <a:off x="4545824" y="996001"/>
+            <a:ext cx="269626" cy="276999"/>
+          </a:xfrm>
+          <a:prstGeom prst="rect">
+            <a:avLst/>
+          </a:prstGeom>
+          <a:noFill/>
+        </p:spPr>
+        <p:txBody>
+          <a:bodyPr wrap="none" rtlCol="0">
+            <a:spAutoFit/>
+          </a:bodyPr>
+          <a:lstStyle/>
+          <a:p>
+            <a:r>
+              <a:rPr lang="en-US" sz="1200" dirty="0">
+                <a:latin typeface="Arial" panose="020B0604020202020204" pitchFamily="34" charset="0"/>
+                <a:cs typeface="Arial" panose="020B0604020202020204" pitchFamily="34" charset="0"/>
+              </a:rPr>
+              <a:t>4</a:t>
+            </a:r>
+          </a:p>
+        </p:txBody>
+      </p:sp>
+      <p:sp>
+        <p:nvSpPr>
+          <p:cNvPr id="69" name="TextBox 68">
+            <a:extLst>
+              <a:ext uri="{FF2B5EF4-FFF2-40B4-BE49-F238E27FC236}">
+                <a16:creationId xmlns:a16="http://schemas.microsoft.com/office/drawing/2014/main" id="{25D83A02-F120-03F8-38ED-65609F668261}"/>
+              </a:ext>
+            </a:extLst>
+          </p:cNvPr>
+          <p:cNvSpPr txBox="1"/>
+          <p:nvPr/>
+        </p:nvSpPr>
+        <p:spPr>
+          <a:xfrm>
+            <a:off x="5915420" y="996001"/>
+            <a:ext cx="269626" cy="276999"/>
+          </a:xfrm>
+          <a:prstGeom prst="rect">
+            <a:avLst/>
+          </a:prstGeom>
+          <a:noFill/>
+        </p:spPr>
+        <p:txBody>
+          <a:bodyPr wrap="none" rtlCol="0">
+            <a:spAutoFit/>
+          </a:bodyPr>
+          <a:lstStyle/>
+          <a:p>
+            <a:r>
+              <a:rPr lang="en-US" sz="1200" dirty="0">
+                <a:latin typeface="Arial" panose="020B0604020202020204" pitchFamily="34" charset="0"/>
+                <a:cs typeface="Arial" panose="020B0604020202020204" pitchFamily="34" charset="0"/>
+              </a:rPr>
+              <a:t>5</a:t>
+            </a:r>
+          </a:p>
+        </p:txBody>
+      </p:sp>
+      <p:sp>
+        <p:nvSpPr>
+          <p:cNvPr id="70" name="TextBox 69">
+            <a:extLst>
+              <a:ext uri="{FF2B5EF4-FFF2-40B4-BE49-F238E27FC236}">
+                <a16:creationId xmlns:a16="http://schemas.microsoft.com/office/drawing/2014/main" id="{003CCCCA-97CA-89B1-D884-2580D1C67AE4}"/>
+              </a:ext>
+            </a:extLst>
+          </p:cNvPr>
+          <p:cNvSpPr txBox="1"/>
+          <p:nvPr/>
+        </p:nvSpPr>
+        <p:spPr>
+          <a:xfrm>
+            <a:off x="6829820" y="996001"/>
+            <a:ext cx="269626" cy="276999"/>
+          </a:xfrm>
+          <a:prstGeom prst="rect">
+            <a:avLst/>
+          </a:prstGeom>
+          <a:noFill/>
+        </p:spPr>
+        <p:txBody>
+          <a:bodyPr wrap="none" rtlCol="0">
+            <a:spAutoFit/>
+          </a:bodyPr>
+          <a:lstStyle/>
+          <a:p>
+            <a:r>
+              <a:rPr lang="en-US" sz="1200" dirty="0">
+                <a:latin typeface="Arial" panose="020B0604020202020204" pitchFamily="34" charset="0"/>
+                <a:cs typeface="Arial" panose="020B0604020202020204" pitchFamily="34" charset="0"/>
+              </a:rPr>
+              <a:t>6</a:t>
+            </a:r>
+          </a:p>
+        </p:txBody>
+      </p:sp>
+      <p:sp>
+        <p:nvSpPr>
+          <p:cNvPr id="71" name="TextBox 70">
+            <a:extLst>
+              <a:ext uri="{FF2B5EF4-FFF2-40B4-BE49-F238E27FC236}">
+                <a16:creationId xmlns:a16="http://schemas.microsoft.com/office/drawing/2014/main" id="{133EA0AC-BEB7-46B0-1817-37E2A44F606C}"/>
+              </a:ext>
+            </a:extLst>
+          </p:cNvPr>
+          <p:cNvSpPr txBox="1"/>
+          <p:nvPr/>
+        </p:nvSpPr>
+        <p:spPr>
+          <a:xfrm>
+            <a:off x="6723220" y="1894358"/>
+            <a:ext cx="354584" cy="276999"/>
+          </a:xfrm>
+          <a:prstGeom prst="rect">
+            <a:avLst/>
+          </a:prstGeom>
+          <a:noFill/>
+        </p:spPr>
+        <p:txBody>
+          <a:bodyPr wrap="none" rtlCol="0">
+            <a:spAutoFit/>
+          </a:bodyPr>
+          <a:lstStyle/>
+          <a:p>
+            <a:r>
+              <a:rPr lang="en-US" sz="1200" dirty="0">
+                <a:latin typeface="Arial" panose="020B0604020202020204" pitchFamily="34" charset="0"/>
+                <a:cs typeface="Arial" panose="020B0604020202020204" pitchFamily="34" charset="0"/>
+              </a:rPr>
+              <a:t>12</a:t>
+            </a:r>
+          </a:p>
+        </p:txBody>
+      </p:sp>
+      <p:sp>
+        <p:nvSpPr>
+          <p:cNvPr id="72" name="TextBox 71">
+            <a:extLst>
+              <a:ext uri="{FF2B5EF4-FFF2-40B4-BE49-F238E27FC236}">
+                <a16:creationId xmlns:a16="http://schemas.microsoft.com/office/drawing/2014/main" id="{DA44E80C-7F8B-C656-844C-46A712AA0194}"/>
+              </a:ext>
+            </a:extLst>
+          </p:cNvPr>
+          <p:cNvSpPr txBox="1"/>
+          <p:nvPr/>
+        </p:nvSpPr>
+        <p:spPr>
+          <a:xfrm>
+            <a:off x="6723219" y="3184775"/>
+            <a:ext cx="354584" cy="276999"/>
+          </a:xfrm>
+          <a:prstGeom prst="rect">
+            <a:avLst/>
+          </a:prstGeom>
+          <a:noFill/>
+        </p:spPr>
+        <p:txBody>
+          <a:bodyPr wrap="none" rtlCol="0">
+            <a:spAutoFit/>
+          </a:bodyPr>
+          <a:lstStyle/>
+          <a:p>
+            <a:r>
+              <a:rPr lang="en-US" sz="1200" dirty="0">
+                <a:latin typeface="Arial" panose="020B0604020202020204" pitchFamily="34" charset="0"/>
+                <a:cs typeface="Arial" panose="020B0604020202020204" pitchFamily="34" charset="0"/>
+              </a:rPr>
+              <a:t>18</a:t>
+            </a:r>
+          </a:p>
+        </p:txBody>
+      </p:sp>
+      <p:sp>
+        <p:nvSpPr>
+          <p:cNvPr id="73" name="TextBox 72">
+            <a:extLst>
+              <a:ext uri="{FF2B5EF4-FFF2-40B4-BE49-F238E27FC236}">
+                <a16:creationId xmlns:a16="http://schemas.microsoft.com/office/drawing/2014/main" id="{FC0595DA-3F22-7B76-F704-69E64E579F30}"/>
+              </a:ext>
+            </a:extLst>
+          </p:cNvPr>
+          <p:cNvSpPr txBox="1"/>
+          <p:nvPr/>
+        </p:nvSpPr>
+        <p:spPr>
+          <a:xfrm>
+            <a:off x="6723218" y="4099175"/>
+            <a:ext cx="354584" cy="276999"/>
+          </a:xfrm>
+          <a:prstGeom prst="rect">
+            <a:avLst/>
+          </a:prstGeom>
+          <a:noFill/>
+        </p:spPr>
+        <p:txBody>
+          <a:bodyPr wrap="none" rtlCol="0">
+            <a:spAutoFit/>
+          </a:bodyPr>
+          <a:lstStyle/>
+          <a:p>
+            <a:r>
+              <a:rPr lang="en-US" sz="1200" dirty="0">
+                <a:latin typeface="Arial" panose="020B0604020202020204" pitchFamily="34" charset="0"/>
+                <a:cs typeface="Arial" panose="020B0604020202020204" pitchFamily="34" charset="0"/>
+              </a:rPr>
+              <a:t>24</a:t>
+            </a:r>
+          </a:p>
+        </p:txBody>
+      </p:sp>
+      <p:sp>
+        <p:nvSpPr>
+          <p:cNvPr id="74" name="TextBox 73">
+            <a:extLst>
+              <a:ext uri="{FF2B5EF4-FFF2-40B4-BE49-F238E27FC236}">
+                <a16:creationId xmlns:a16="http://schemas.microsoft.com/office/drawing/2014/main" id="{2A42DFA0-D7C9-8D5F-C47E-BE80728C1894}"/>
+              </a:ext>
+            </a:extLst>
+          </p:cNvPr>
+          <p:cNvSpPr txBox="1"/>
+          <p:nvPr/>
+        </p:nvSpPr>
+        <p:spPr>
+          <a:xfrm>
+            <a:off x="6723217" y="5396175"/>
+            <a:ext cx="354584" cy="276999"/>
+          </a:xfrm>
+          <a:prstGeom prst="rect">
+            <a:avLst/>
+          </a:prstGeom>
+          <a:noFill/>
+        </p:spPr>
+        <p:txBody>
+          <a:bodyPr wrap="none" rtlCol="0">
+            <a:spAutoFit/>
+          </a:bodyPr>
+          <a:lstStyle/>
+          <a:p>
+            <a:r>
+              <a:rPr lang="en-US" sz="1200" dirty="0">
+                <a:latin typeface="Arial" panose="020B0604020202020204" pitchFamily="34" charset="0"/>
+                <a:cs typeface="Arial" panose="020B0604020202020204" pitchFamily="34" charset="0"/>
+              </a:rPr>
+              <a:t>30</a:t>
+            </a:r>
+          </a:p>
+        </p:txBody>
+      </p:sp>
+      <p:sp>
+        <p:nvSpPr>
+          <p:cNvPr id="75" name="TextBox 74">
+            <a:extLst>
+              <a:ext uri="{FF2B5EF4-FFF2-40B4-BE49-F238E27FC236}">
+                <a16:creationId xmlns:a16="http://schemas.microsoft.com/office/drawing/2014/main" id="{C735C6D1-E38E-2C60-2BFB-F31206D0A776}"/>
+              </a:ext>
+            </a:extLst>
+          </p:cNvPr>
+          <p:cNvSpPr txBox="1"/>
+          <p:nvPr/>
+        </p:nvSpPr>
+        <p:spPr>
+          <a:xfrm>
+            <a:off x="6723216" y="6307895"/>
+            <a:ext cx="354584" cy="276999"/>
+          </a:xfrm>
+          <a:prstGeom prst="rect">
+            <a:avLst/>
+          </a:prstGeom>
+          <a:noFill/>
+        </p:spPr>
+        <p:txBody>
+          <a:bodyPr wrap="none" rtlCol="0">
+            <a:spAutoFit/>
+          </a:bodyPr>
+          <a:lstStyle/>
+          <a:p>
+            <a:r>
+              <a:rPr lang="en-US" sz="1200" dirty="0">
+                <a:latin typeface="Arial" panose="020B0604020202020204" pitchFamily="34" charset="0"/>
+                <a:cs typeface="Arial" panose="020B0604020202020204" pitchFamily="34" charset="0"/>
+              </a:rPr>
+              <a:t>36</a:t>
+            </a:r>
+          </a:p>
+        </p:txBody>
+      </p:sp>
+      <p:sp>
+        <p:nvSpPr>
+          <p:cNvPr id="76" name="TextBox 75">
+            <a:extLst>
+              <a:ext uri="{FF2B5EF4-FFF2-40B4-BE49-F238E27FC236}">
+                <a16:creationId xmlns:a16="http://schemas.microsoft.com/office/drawing/2014/main" id="{9B1C8011-AFD7-983E-2127-3E6C579F48E2}"/>
+              </a:ext>
+            </a:extLst>
+          </p:cNvPr>
+          <p:cNvSpPr txBox="1"/>
+          <p:nvPr/>
+        </p:nvSpPr>
+        <p:spPr>
+          <a:xfrm>
+            <a:off x="5807216" y="3184775"/>
+            <a:ext cx="354584" cy="276999"/>
+          </a:xfrm>
+          <a:prstGeom prst="rect">
+            <a:avLst/>
+          </a:prstGeom>
+          <a:noFill/>
+        </p:spPr>
+        <p:txBody>
+          <a:bodyPr wrap="none" rtlCol="0">
+            <a:spAutoFit/>
+          </a:bodyPr>
+          <a:lstStyle/>
+          <a:p>
+            <a:r>
+              <a:rPr lang="en-US" sz="1200" dirty="0">
+                <a:latin typeface="Arial" panose="020B0604020202020204" pitchFamily="34" charset="0"/>
+                <a:cs typeface="Arial" panose="020B0604020202020204" pitchFamily="34" charset="0"/>
+              </a:rPr>
+              <a:t>17</a:t>
+            </a:r>
+          </a:p>
+        </p:txBody>
+      </p:sp>
+      <p:sp>
+        <p:nvSpPr>
+          <p:cNvPr id="77" name="TextBox 76">
+            <a:extLst>
+              <a:ext uri="{FF2B5EF4-FFF2-40B4-BE49-F238E27FC236}">
+                <a16:creationId xmlns:a16="http://schemas.microsoft.com/office/drawing/2014/main" id="{E9AE3523-1A66-BAFC-CE8A-AF49EE3E46A2}"/>
+              </a:ext>
+            </a:extLst>
+          </p:cNvPr>
+          <p:cNvSpPr txBox="1"/>
+          <p:nvPr/>
+        </p:nvSpPr>
+        <p:spPr>
+          <a:xfrm>
+            <a:off x="4437623" y="3184775"/>
+            <a:ext cx="354584" cy="276999"/>
+          </a:xfrm>
+          <a:prstGeom prst="rect">
+            <a:avLst/>
+          </a:prstGeom>
+          <a:noFill/>
+        </p:spPr>
+        <p:txBody>
+          <a:bodyPr wrap="none" rtlCol="0">
+            <a:spAutoFit/>
+          </a:bodyPr>
+          <a:lstStyle/>
+          <a:p>
+            <a:r>
+              <a:rPr lang="en-US" sz="1200" dirty="0">
+                <a:latin typeface="Arial" panose="020B0604020202020204" pitchFamily="34" charset="0"/>
+                <a:cs typeface="Arial" panose="020B0604020202020204" pitchFamily="34" charset="0"/>
+              </a:rPr>
+              <a:t>16</a:t>
+            </a:r>
+          </a:p>
+        </p:txBody>
+      </p:sp>
+      <p:sp>
+        <p:nvSpPr>
+          <p:cNvPr id="78" name="TextBox 77">
+            <a:extLst>
+              <a:ext uri="{FF2B5EF4-FFF2-40B4-BE49-F238E27FC236}">
+                <a16:creationId xmlns:a16="http://schemas.microsoft.com/office/drawing/2014/main" id="{4AEA978C-43C8-1555-2B7D-3F8F7A3C3DC4}"/>
+              </a:ext>
+            </a:extLst>
+          </p:cNvPr>
+          <p:cNvSpPr txBox="1"/>
+          <p:nvPr/>
+        </p:nvSpPr>
+        <p:spPr>
+          <a:xfrm>
+            <a:off x="3521617" y="3181126"/>
+            <a:ext cx="354584" cy="276999"/>
+          </a:xfrm>
+          <a:prstGeom prst="rect">
+            <a:avLst/>
+          </a:prstGeom>
+          <a:noFill/>
+        </p:spPr>
+        <p:txBody>
+          <a:bodyPr wrap="none" rtlCol="0">
+            <a:spAutoFit/>
+          </a:bodyPr>
+          <a:lstStyle/>
+          <a:p>
+            <a:r>
+              <a:rPr lang="en-US" sz="1200" dirty="0">
+                <a:latin typeface="Arial" panose="020B0604020202020204" pitchFamily="34" charset="0"/>
+                <a:cs typeface="Arial" panose="020B0604020202020204" pitchFamily="34" charset="0"/>
+              </a:rPr>
+              <a:t>15</a:t>
+            </a:r>
+          </a:p>
+        </p:txBody>
+      </p:sp>
+      <p:sp>
+        <p:nvSpPr>
+          <p:cNvPr id="79" name="TextBox 78">
+            <a:extLst>
+              <a:ext uri="{FF2B5EF4-FFF2-40B4-BE49-F238E27FC236}">
+                <a16:creationId xmlns:a16="http://schemas.microsoft.com/office/drawing/2014/main" id="{67D3C079-EE43-150B-0EA3-60AFEAA7EDC8}"/>
+              </a:ext>
+            </a:extLst>
+          </p:cNvPr>
+          <p:cNvSpPr txBox="1"/>
+          <p:nvPr/>
+        </p:nvSpPr>
+        <p:spPr>
+          <a:xfrm>
+            <a:off x="2095868" y="3184775"/>
+            <a:ext cx="354584" cy="276999"/>
+          </a:xfrm>
+          <a:prstGeom prst="rect">
+            <a:avLst/>
+          </a:prstGeom>
+          <a:noFill/>
+        </p:spPr>
+        <p:txBody>
+          <a:bodyPr wrap="none" rtlCol="0">
+            <a:spAutoFit/>
+          </a:bodyPr>
+          <a:lstStyle/>
+          <a:p>
+            <a:r>
+              <a:rPr lang="en-US" sz="1200" dirty="0">
+                <a:latin typeface="Arial" panose="020B0604020202020204" pitchFamily="34" charset="0"/>
+                <a:cs typeface="Arial" panose="020B0604020202020204" pitchFamily="34" charset="0"/>
+              </a:rPr>
+              <a:t>14</a:t>
+            </a:r>
+          </a:p>
+        </p:txBody>
+      </p:sp>
+      <p:sp>
+        <p:nvSpPr>
+          <p:cNvPr id="80" name="TextBox 79">
+            <a:extLst>
+              <a:ext uri="{FF2B5EF4-FFF2-40B4-BE49-F238E27FC236}">
+                <a16:creationId xmlns:a16="http://schemas.microsoft.com/office/drawing/2014/main" id="{A9F1ED8A-4F39-3893-5C5B-5D6D49B2D4E5}"/>
+              </a:ext>
+            </a:extLst>
+          </p:cNvPr>
+          <p:cNvSpPr txBox="1"/>
+          <p:nvPr/>
+        </p:nvSpPr>
+        <p:spPr>
+          <a:xfrm>
+            <a:off x="1179866" y="3184775"/>
+            <a:ext cx="354584" cy="276999"/>
+          </a:xfrm>
+          <a:prstGeom prst="rect">
+            <a:avLst/>
+          </a:prstGeom>
+          <a:noFill/>
+        </p:spPr>
+        <p:txBody>
+          <a:bodyPr wrap="none" rtlCol="0">
+            <a:spAutoFit/>
+          </a:bodyPr>
+          <a:lstStyle/>
+          <a:p>
+            <a:r>
+              <a:rPr lang="en-US" sz="1200" dirty="0">
+                <a:latin typeface="Arial" panose="020B0604020202020204" pitchFamily="34" charset="0"/>
+                <a:cs typeface="Arial" panose="020B0604020202020204" pitchFamily="34" charset="0"/>
+              </a:rPr>
+              <a:t>13</a:t>
+            </a:r>
+          </a:p>
+        </p:txBody>
+      </p:sp>
+      <p:sp>
+        <p:nvSpPr>
+          <p:cNvPr id="81" name="TextBox 80">
+            <a:extLst>
+              <a:ext uri="{FF2B5EF4-FFF2-40B4-BE49-F238E27FC236}">
+                <a16:creationId xmlns:a16="http://schemas.microsoft.com/office/drawing/2014/main" id="{9A4AAC80-E424-FE4A-CD3F-F4ECBF0A9240}"/>
+              </a:ext>
+            </a:extLst>
+          </p:cNvPr>
+          <p:cNvSpPr txBox="1"/>
+          <p:nvPr/>
+        </p:nvSpPr>
+        <p:spPr>
+          <a:xfrm>
+            <a:off x="1292487" y="1898200"/>
+            <a:ext cx="269626" cy="276999"/>
+          </a:xfrm>
+          <a:prstGeom prst="rect">
+            <a:avLst/>
+          </a:prstGeom>
+          <a:noFill/>
+        </p:spPr>
+        <p:txBody>
+          <a:bodyPr wrap="none" rtlCol="0">
+            <a:spAutoFit/>
+          </a:bodyPr>
+          <a:lstStyle/>
+          <a:p>
+            <a:r>
+              <a:rPr lang="en-US" sz="1200" dirty="0">
+                <a:latin typeface="Arial" panose="020B0604020202020204" pitchFamily="34" charset="0"/>
+                <a:cs typeface="Arial" panose="020B0604020202020204" pitchFamily="34" charset="0"/>
+              </a:rPr>
+              <a:t>7</a:t>
+            </a:r>
+          </a:p>
+        </p:txBody>
+      </p:sp>
+      <p:sp>
+        <p:nvSpPr>
+          <p:cNvPr id="82" name="TextBox 81">
+            <a:extLst>
+              <a:ext uri="{FF2B5EF4-FFF2-40B4-BE49-F238E27FC236}">
+                <a16:creationId xmlns:a16="http://schemas.microsoft.com/office/drawing/2014/main" id="{7DCFE890-8196-7CCE-13AD-1A08E3FC8371}"/>
+              </a:ext>
+            </a:extLst>
+          </p:cNvPr>
+          <p:cNvSpPr txBox="1"/>
+          <p:nvPr/>
+        </p:nvSpPr>
+        <p:spPr>
+          <a:xfrm>
+            <a:off x="2206887" y="1898200"/>
+            <a:ext cx="269626" cy="276999"/>
+          </a:xfrm>
+          <a:prstGeom prst="rect">
+            <a:avLst/>
+          </a:prstGeom>
+          <a:noFill/>
+        </p:spPr>
+        <p:txBody>
+          <a:bodyPr wrap="none" rtlCol="0">
+            <a:spAutoFit/>
+          </a:bodyPr>
+          <a:lstStyle/>
+          <a:p>
+            <a:r>
+              <a:rPr lang="en-US" sz="1200" dirty="0">
+                <a:latin typeface="Arial" panose="020B0604020202020204" pitchFamily="34" charset="0"/>
+                <a:cs typeface="Arial" panose="020B0604020202020204" pitchFamily="34" charset="0"/>
+              </a:rPr>
+              <a:t>8</a:t>
+            </a:r>
+          </a:p>
+        </p:txBody>
+      </p:sp>
+      <p:sp>
+        <p:nvSpPr>
+          <p:cNvPr id="83" name="TextBox 82">
+            <a:extLst>
+              <a:ext uri="{FF2B5EF4-FFF2-40B4-BE49-F238E27FC236}">
+                <a16:creationId xmlns:a16="http://schemas.microsoft.com/office/drawing/2014/main" id="{3AE9A188-B20F-2AFE-8917-0AF55884D4CF}"/>
+              </a:ext>
+            </a:extLst>
+          </p:cNvPr>
+          <p:cNvSpPr txBox="1"/>
+          <p:nvPr/>
+        </p:nvSpPr>
+        <p:spPr>
+          <a:xfrm>
+            <a:off x="3635427" y="1898200"/>
+            <a:ext cx="269626" cy="276999"/>
+          </a:xfrm>
+          <a:prstGeom prst="rect">
+            <a:avLst/>
+          </a:prstGeom>
+          <a:noFill/>
+        </p:spPr>
+        <p:txBody>
+          <a:bodyPr wrap="none" rtlCol="0">
+            <a:spAutoFit/>
+          </a:bodyPr>
+          <a:lstStyle/>
+          <a:p>
+            <a:r>
+              <a:rPr lang="en-US" sz="1200" dirty="0">
+                <a:latin typeface="Arial" panose="020B0604020202020204" pitchFamily="34" charset="0"/>
+                <a:cs typeface="Arial" panose="020B0604020202020204" pitchFamily="34" charset="0"/>
+              </a:rPr>
+              <a:t>9</a:t>
+            </a:r>
+          </a:p>
+        </p:txBody>
+      </p:sp>
+      <p:sp>
+        <p:nvSpPr>
+          <p:cNvPr id="84" name="TextBox 83">
+            <a:extLst>
+              <a:ext uri="{FF2B5EF4-FFF2-40B4-BE49-F238E27FC236}">
+                <a16:creationId xmlns:a16="http://schemas.microsoft.com/office/drawing/2014/main" id="{C61B41DF-5B56-7E06-E36B-C43D9F22BC2F}"/>
+              </a:ext>
+            </a:extLst>
+          </p:cNvPr>
+          <p:cNvSpPr txBox="1"/>
+          <p:nvPr/>
+        </p:nvSpPr>
+        <p:spPr>
+          <a:xfrm>
+            <a:off x="4439226" y="1900776"/>
+            <a:ext cx="354584" cy="276999"/>
+          </a:xfrm>
+          <a:prstGeom prst="rect">
+            <a:avLst/>
+          </a:prstGeom>
+          <a:noFill/>
+        </p:spPr>
+        <p:txBody>
+          <a:bodyPr wrap="none" rtlCol="0">
+            <a:spAutoFit/>
+          </a:bodyPr>
+          <a:lstStyle/>
+          <a:p>
+            <a:r>
+              <a:rPr lang="en-US" sz="1200" dirty="0">
+                <a:latin typeface="Arial" panose="020B0604020202020204" pitchFamily="34" charset="0"/>
+                <a:cs typeface="Arial" panose="020B0604020202020204" pitchFamily="34" charset="0"/>
+              </a:rPr>
+              <a:t>10</a:t>
+            </a:r>
+          </a:p>
+        </p:txBody>
+      </p:sp>
+      <p:sp>
+        <p:nvSpPr>
+          <p:cNvPr id="85" name="TextBox 84">
+            <a:extLst>
+              <a:ext uri="{FF2B5EF4-FFF2-40B4-BE49-F238E27FC236}">
+                <a16:creationId xmlns:a16="http://schemas.microsoft.com/office/drawing/2014/main" id="{D529E106-3050-76FC-5730-A7F7BB6A5BE3}"/>
+              </a:ext>
+            </a:extLst>
+          </p:cNvPr>
+          <p:cNvSpPr txBox="1"/>
+          <p:nvPr/>
+        </p:nvSpPr>
+        <p:spPr>
+          <a:xfrm>
+            <a:off x="5827892" y="1900776"/>
+            <a:ext cx="343171" cy="276999"/>
+          </a:xfrm>
+          <a:prstGeom prst="rect">
+            <a:avLst/>
+          </a:prstGeom>
+          <a:noFill/>
+        </p:spPr>
+        <p:txBody>
+          <a:bodyPr wrap="none" rtlCol="0">
+            <a:spAutoFit/>
+          </a:bodyPr>
+          <a:lstStyle/>
+          <a:p>
+            <a:r>
+              <a:rPr lang="en-US" sz="1200" dirty="0">
+                <a:latin typeface="Arial" panose="020B0604020202020204" pitchFamily="34" charset="0"/>
+                <a:cs typeface="Arial" panose="020B0604020202020204" pitchFamily="34" charset="0"/>
+              </a:rPr>
+              <a:t>11</a:t>
+            </a:r>
+          </a:p>
+        </p:txBody>
+      </p:sp>
+      <p:sp>
+        <p:nvSpPr>
+          <p:cNvPr id="91" name="TextBox 90">
+            <a:extLst>
+              <a:ext uri="{FF2B5EF4-FFF2-40B4-BE49-F238E27FC236}">
+                <a16:creationId xmlns:a16="http://schemas.microsoft.com/office/drawing/2014/main" id="{C2D08FED-3030-A07E-D077-22A92E6D1FF7}"/>
+              </a:ext>
+            </a:extLst>
+          </p:cNvPr>
+          <p:cNvSpPr txBox="1"/>
+          <p:nvPr/>
+        </p:nvSpPr>
+        <p:spPr>
+          <a:xfrm>
+            <a:off x="5807216" y="4093154"/>
+            <a:ext cx="354584" cy="276999"/>
+          </a:xfrm>
+          <a:prstGeom prst="rect">
+            <a:avLst/>
+          </a:prstGeom>
+          <a:noFill/>
+        </p:spPr>
+        <p:txBody>
+          <a:bodyPr wrap="none" rtlCol="0">
+            <a:spAutoFit/>
+          </a:bodyPr>
+          <a:lstStyle/>
+          <a:p>
+            <a:r>
+              <a:rPr lang="en-US" sz="1200" dirty="0">
+                <a:latin typeface="Arial" panose="020B0604020202020204" pitchFamily="34" charset="0"/>
+                <a:cs typeface="Arial" panose="020B0604020202020204" pitchFamily="34" charset="0"/>
+              </a:rPr>
+              <a:t>23</a:t>
+            </a:r>
+          </a:p>
+        </p:txBody>
+      </p:sp>
+      <p:sp>
+        <p:nvSpPr>
+          <p:cNvPr id="92" name="TextBox 91">
+            <a:extLst>
+              <a:ext uri="{FF2B5EF4-FFF2-40B4-BE49-F238E27FC236}">
+                <a16:creationId xmlns:a16="http://schemas.microsoft.com/office/drawing/2014/main" id="{D7960A5F-FA51-5A78-ACF5-8C70CBB40609}"/>
+              </a:ext>
+            </a:extLst>
+          </p:cNvPr>
+          <p:cNvSpPr txBox="1"/>
+          <p:nvPr/>
+        </p:nvSpPr>
+        <p:spPr>
+          <a:xfrm>
+            <a:off x="4437623" y="4093154"/>
+            <a:ext cx="354584" cy="276999"/>
+          </a:xfrm>
+          <a:prstGeom prst="rect">
+            <a:avLst/>
+          </a:prstGeom>
+          <a:noFill/>
+        </p:spPr>
+        <p:txBody>
+          <a:bodyPr wrap="none" rtlCol="0">
+            <a:spAutoFit/>
+          </a:bodyPr>
+          <a:lstStyle/>
+          <a:p>
+            <a:r>
+              <a:rPr lang="en-US" sz="1200" dirty="0">
+                <a:latin typeface="Arial" panose="020B0604020202020204" pitchFamily="34" charset="0"/>
+                <a:cs typeface="Arial" panose="020B0604020202020204" pitchFamily="34" charset="0"/>
+              </a:rPr>
+              <a:t>22</a:t>
+            </a:r>
+          </a:p>
+        </p:txBody>
+      </p:sp>
+      <p:sp>
+        <p:nvSpPr>
+          <p:cNvPr id="93" name="TextBox 92">
+            <a:extLst>
+              <a:ext uri="{FF2B5EF4-FFF2-40B4-BE49-F238E27FC236}">
+                <a16:creationId xmlns:a16="http://schemas.microsoft.com/office/drawing/2014/main" id="{FCECECBF-53B4-4B5A-B333-84D85DFB9FAF}"/>
+              </a:ext>
+            </a:extLst>
+          </p:cNvPr>
+          <p:cNvSpPr txBox="1"/>
+          <p:nvPr/>
+        </p:nvSpPr>
+        <p:spPr>
+          <a:xfrm>
+            <a:off x="3533241" y="4085931"/>
+            <a:ext cx="354584" cy="276999"/>
+          </a:xfrm>
+          <a:prstGeom prst="rect">
+            <a:avLst/>
+          </a:prstGeom>
+          <a:noFill/>
+        </p:spPr>
+        <p:txBody>
+          <a:bodyPr wrap="none" rtlCol="0">
+            <a:spAutoFit/>
+          </a:bodyPr>
+          <a:lstStyle/>
+          <a:p>
+            <a:r>
+              <a:rPr lang="en-US" sz="1200" dirty="0">
+                <a:latin typeface="Arial" panose="020B0604020202020204" pitchFamily="34" charset="0"/>
+                <a:cs typeface="Arial" panose="020B0604020202020204" pitchFamily="34" charset="0"/>
+              </a:rPr>
+              <a:t>21</a:t>
+            </a:r>
+          </a:p>
+        </p:txBody>
+      </p:sp>
+      <p:sp>
+        <p:nvSpPr>
+          <p:cNvPr id="94" name="TextBox 93">
+            <a:extLst>
+              <a:ext uri="{FF2B5EF4-FFF2-40B4-BE49-F238E27FC236}">
+                <a16:creationId xmlns:a16="http://schemas.microsoft.com/office/drawing/2014/main" id="{7C25CFBD-718D-1EDC-1F0A-09C954F109D9}"/>
+              </a:ext>
+            </a:extLst>
+          </p:cNvPr>
+          <p:cNvSpPr txBox="1"/>
+          <p:nvPr/>
+        </p:nvSpPr>
+        <p:spPr>
+          <a:xfrm>
+            <a:off x="2095868" y="4093154"/>
+            <a:ext cx="354584" cy="276999"/>
+          </a:xfrm>
+          <a:prstGeom prst="rect">
+            <a:avLst/>
+          </a:prstGeom>
+          <a:noFill/>
+        </p:spPr>
+        <p:txBody>
+          <a:bodyPr wrap="none" rtlCol="0">
+            <a:spAutoFit/>
+          </a:bodyPr>
+          <a:lstStyle/>
+          <a:p>
+            <a:r>
+              <a:rPr lang="en-US" sz="1200" dirty="0">
+                <a:latin typeface="Arial" panose="020B0604020202020204" pitchFamily="34" charset="0"/>
+                <a:cs typeface="Arial" panose="020B0604020202020204" pitchFamily="34" charset="0"/>
+              </a:rPr>
+              <a:t>20</a:t>
+            </a:r>
+          </a:p>
+        </p:txBody>
+      </p:sp>
+      <p:sp>
+        <p:nvSpPr>
+          <p:cNvPr id="95" name="TextBox 94">
+            <a:extLst>
+              <a:ext uri="{FF2B5EF4-FFF2-40B4-BE49-F238E27FC236}">
+                <a16:creationId xmlns:a16="http://schemas.microsoft.com/office/drawing/2014/main" id="{59B2469B-80DF-6171-F53C-0FC70773652F}"/>
+              </a:ext>
+            </a:extLst>
+          </p:cNvPr>
+          <p:cNvSpPr txBox="1"/>
+          <p:nvPr/>
+        </p:nvSpPr>
+        <p:spPr>
+          <a:xfrm>
+            <a:off x="1179866" y="4093154"/>
+            <a:ext cx="354584" cy="276999"/>
+          </a:xfrm>
+          <a:prstGeom prst="rect">
+            <a:avLst/>
+          </a:prstGeom>
+          <a:noFill/>
+        </p:spPr>
+        <p:txBody>
+          <a:bodyPr wrap="none" rtlCol="0">
+            <a:spAutoFit/>
+          </a:bodyPr>
+          <a:lstStyle/>
+          <a:p>
+            <a:r>
+              <a:rPr lang="en-US" sz="1200" dirty="0">
+                <a:latin typeface="Arial" panose="020B0604020202020204" pitchFamily="34" charset="0"/>
+                <a:cs typeface="Arial" panose="020B0604020202020204" pitchFamily="34" charset="0"/>
+              </a:rPr>
+              <a:t>19</a:t>
+            </a:r>
+          </a:p>
+        </p:txBody>
+      </p:sp>
+      <p:sp>
+        <p:nvSpPr>
+          <p:cNvPr id="96" name="TextBox 95">
+            <a:extLst>
+              <a:ext uri="{FF2B5EF4-FFF2-40B4-BE49-F238E27FC236}">
+                <a16:creationId xmlns:a16="http://schemas.microsoft.com/office/drawing/2014/main" id="{7705E9BE-247A-B86F-D25B-FD348DADBA83}"/>
+              </a:ext>
+            </a:extLst>
+          </p:cNvPr>
+          <p:cNvSpPr txBox="1"/>
+          <p:nvPr/>
+        </p:nvSpPr>
+        <p:spPr>
+          <a:xfrm>
+            <a:off x="5807216" y="5404212"/>
+            <a:ext cx="354584" cy="276999"/>
+          </a:xfrm>
+          <a:prstGeom prst="rect">
+            <a:avLst/>
+          </a:prstGeom>
+          <a:noFill/>
+        </p:spPr>
+        <p:txBody>
+          <a:bodyPr wrap="none" rtlCol="0">
+            <a:spAutoFit/>
+          </a:bodyPr>
+          <a:lstStyle/>
+          <a:p>
+            <a:r>
+              <a:rPr lang="en-US" sz="1200" dirty="0">
+                <a:latin typeface="Arial" panose="020B0604020202020204" pitchFamily="34" charset="0"/>
+                <a:cs typeface="Arial" panose="020B0604020202020204" pitchFamily="34" charset="0"/>
+              </a:rPr>
+              <a:t>29</a:t>
+            </a:r>
+          </a:p>
+        </p:txBody>
+      </p:sp>
+      <p:sp>
+        <p:nvSpPr>
+          <p:cNvPr id="97" name="TextBox 96">
+            <a:extLst>
+              <a:ext uri="{FF2B5EF4-FFF2-40B4-BE49-F238E27FC236}">
+                <a16:creationId xmlns:a16="http://schemas.microsoft.com/office/drawing/2014/main" id="{57B7731B-8FEC-3C10-ACF0-1AA0C75AE533}"/>
+              </a:ext>
+            </a:extLst>
+          </p:cNvPr>
+          <p:cNvSpPr txBox="1"/>
+          <p:nvPr/>
+        </p:nvSpPr>
+        <p:spPr>
+          <a:xfrm>
+            <a:off x="4437623" y="5404212"/>
+            <a:ext cx="354584" cy="276999"/>
+          </a:xfrm>
+          <a:prstGeom prst="rect">
+            <a:avLst/>
+          </a:prstGeom>
+          <a:noFill/>
+        </p:spPr>
+        <p:txBody>
+          <a:bodyPr wrap="none" rtlCol="0">
+            <a:spAutoFit/>
+          </a:bodyPr>
+          <a:lstStyle/>
+          <a:p>
+            <a:r>
+              <a:rPr lang="en-US" sz="1200" dirty="0">
+                <a:latin typeface="Arial" panose="020B0604020202020204" pitchFamily="34" charset="0"/>
+                <a:cs typeface="Arial" panose="020B0604020202020204" pitchFamily="34" charset="0"/>
+              </a:rPr>
+              <a:t>28</a:t>
+            </a:r>
+          </a:p>
+        </p:txBody>
+      </p:sp>
+      <p:sp>
+        <p:nvSpPr>
+          <p:cNvPr id="98" name="TextBox 97">
+            <a:extLst>
+              <a:ext uri="{FF2B5EF4-FFF2-40B4-BE49-F238E27FC236}">
+                <a16:creationId xmlns:a16="http://schemas.microsoft.com/office/drawing/2014/main" id="{1AC31284-AC64-F710-5625-A87C5E27DC4E}"/>
+              </a:ext>
+            </a:extLst>
+          </p:cNvPr>
+          <p:cNvSpPr txBox="1"/>
+          <p:nvPr/>
+        </p:nvSpPr>
+        <p:spPr>
+          <a:xfrm>
+            <a:off x="3532778" y="5411994"/>
+            <a:ext cx="354584" cy="276999"/>
+          </a:xfrm>
+          <a:prstGeom prst="rect">
+            <a:avLst/>
+          </a:prstGeom>
+          <a:noFill/>
+        </p:spPr>
+        <p:txBody>
+          <a:bodyPr wrap="none" rtlCol="0">
+            <a:spAutoFit/>
+          </a:bodyPr>
+          <a:lstStyle/>
+          <a:p>
+            <a:r>
+              <a:rPr lang="en-US" sz="1200" dirty="0">
+                <a:latin typeface="Arial" panose="020B0604020202020204" pitchFamily="34" charset="0"/>
+                <a:cs typeface="Arial" panose="020B0604020202020204" pitchFamily="34" charset="0"/>
+              </a:rPr>
+              <a:t>27</a:t>
+            </a:r>
+          </a:p>
+        </p:txBody>
+      </p:sp>
+      <p:sp>
+        <p:nvSpPr>
+          <p:cNvPr id="99" name="TextBox 98">
+            <a:extLst>
+              <a:ext uri="{FF2B5EF4-FFF2-40B4-BE49-F238E27FC236}">
+                <a16:creationId xmlns:a16="http://schemas.microsoft.com/office/drawing/2014/main" id="{CBE4734B-BA0D-DEC2-0FBD-10C67C8EA1B4}"/>
+              </a:ext>
+            </a:extLst>
+          </p:cNvPr>
+          <p:cNvSpPr txBox="1"/>
+          <p:nvPr/>
+        </p:nvSpPr>
+        <p:spPr>
+          <a:xfrm>
+            <a:off x="2095868" y="5404212"/>
+            <a:ext cx="354584" cy="276999"/>
+          </a:xfrm>
+          <a:prstGeom prst="rect">
+            <a:avLst/>
+          </a:prstGeom>
+          <a:noFill/>
+        </p:spPr>
+        <p:txBody>
+          <a:bodyPr wrap="none" rtlCol="0">
+            <a:spAutoFit/>
+          </a:bodyPr>
+          <a:lstStyle/>
+          <a:p>
+            <a:r>
+              <a:rPr lang="en-US" sz="1200" dirty="0">
+                <a:latin typeface="Arial" panose="020B0604020202020204" pitchFamily="34" charset="0"/>
+                <a:cs typeface="Arial" panose="020B0604020202020204" pitchFamily="34" charset="0"/>
+              </a:rPr>
+              <a:t>26</a:t>
+            </a:r>
+          </a:p>
+        </p:txBody>
+      </p:sp>
+      <p:sp>
+        <p:nvSpPr>
+          <p:cNvPr id="100" name="TextBox 99">
+            <a:extLst>
+              <a:ext uri="{FF2B5EF4-FFF2-40B4-BE49-F238E27FC236}">
+                <a16:creationId xmlns:a16="http://schemas.microsoft.com/office/drawing/2014/main" id="{70BCC3DA-461B-05CE-F2F6-3B138EA3C494}"/>
+              </a:ext>
+            </a:extLst>
+          </p:cNvPr>
+          <p:cNvSpPr txBox="1"/>
+          <p:nvPr/>
+        </p:nvSpPr>
+        <p:spPr>
+          <a:xfrm>
+            <a:off x="1179866" y="5404212"/>
+            <a:ext cx="354584" cy="276999"/>
+          </a:xfrm>
+          <a:prstGeom prst="rect">
+            <a:avLst/>
+          </a:prstGeom>
+          <a:noFill/>
+        </p:spPr>
+        <p:txBody>
+          <a:bodyPr wrap="none" rtlCol="0">
+            <a:spAutoFit/>
+          </a:bodyPr>
+          <a:lstStyle/>
+          <a:p>
+            <a:r>
+              <a:rPr lang="en-US" sz="1200" dirty="0">
+                <a:latin typeface="Arial" panose="020B0604020202020204" pitchFamily="34" charset="0"/>
+                <a:cs typeface="Arial" panose="020B0604020202020204" pitchFamily="34" charset="0"/>
+              </a:rPr>
+              <a:t>25</a:t>
+            </a:r>
+          </a:p>
+        </p:txBody>
+      </p:sp>
+      <p:sp>
+        <p:nvSpPr>
+          <p:cNvPr id="101" name="TextBox 100">
+            <a:extLst>
+              <a:ext uri="{FF2B5EF4-FFF2-40B4-BE49-F238E27FC236}">
+                <a16:creationId xmlns:a16="http://schemas.microsoft.com/office/drawing/2014/main" id="{490A39C2-5BB5-72A4-3CC7-A040E80E4725}"/>
+              </a:ext>
+            </a:extLst>
+          </p:cNvPr>
+          <p:cNvSpPr txBox="1"/>
+          <p:nvPr/>
+        </p:nvSpPr>
+        <p:spPr>
+          <a:xfrm>
+            <a:off x="5807212" y="6304832"/>
+            <a:ext cx="354584" cy="276999"/>
+          </a:xfrm>
+          <a:prstGeom prst="rect">
+            <a:avLst/>
+          </a:prstGeom>
+          <a:noFill/>
+        </p:spPr>
+        <p:txBody>
+          <a:bodyPr wrap="none" rtlCol="0">
+            <a:spAutoFit/>
+          </a:bodyPr>
+          <a:lstStyle/>
+          <a:p>
+            <a:r>
+              <a:rPr lang="en-US" sz="1200" dirty="0">
+                <a:latin typeface="Arial" panose="020B0604020202020204" pitchFamily="34" charset="0"/>
+                <a:cs typeface="Arial" panose="020B0604020202020204" pitchFamily="34" charset="0"/>
+              </a:rPr>
+              <a:t>35</a:t>
+            </a:r>
+          </a:p>
+        </p:txBody>
+      </p:sp>
+      <p:sp>
+        <p:nvSpPr>
+          <p:cNvPr id="102" name="TextBox 101">
+            <a:extLst>
+              <a:ext uri="{FF2B5EF4-FFF2-40B4-BE49-F238E27FC236}">
+                <a16:creationId xmlns:a16="http://schemas.microsoft.com/office/drawing/2014/main" id="{FE0D35FE-25B4-01DE-7329-ACECF5828FD1}"/>
+              </a:ext>
+            </a:extLst>
+          </p:cNvPr>
+          <p:cNvSpPr txBox="1"/>
+          <p:nvPr/>
+        </p:nvSpPr>
+        <p:spPr>
+          <a:xfrm>
+            <a:off x="4437619" y="6304832"/>
+            <a:ext cx="354584" cy="276999"/>
+          </a:xfrm>
+          <a:prstGeom prst="rect">
+            <a:avLst/>
+          </a:prstGeom>
+          <a:noFill/>
+        </p:spPr>
+        <p:txBody>
+          <a:bodyPr wrap="none" rtlCol="0">
+            <a:spAutoFit/>
+          </a:bodyPr>
+          <a:lstStyle/>
+          <a:p>
+            <a:r>
+              <a:rPr lang="en-US" sz="1200" dirty="0">
+                <a:latin typeface="Arial" panose="020B0604020202020204" pitchFamily="34" charset="0"/>
+                <a:cs typeface="Arial" panose="020B0604020202020204" pitchFamily="34" charset="0"/>
+              </a:rPr>
+              <a:t>34</a:t>
+            </a:r>
+          </a:p>
+        </p:txBody>
+      </p:sp>
+      <p:sp>
+        <p:nvSpPr>
+          <p:cNvPr id="103" name="TextBox 102">
+            <a:extLst>
+              <a:ext uri="{FF2B5EF4-FFF2-40B4-BE49-F238E27FC236}">
+                <a16:creationId xmlns:a16="http://schemas.microsoft.com/office/drawing/2014/main" id="{07988D3D-4A92-F09C-2BCD-521843F091E0}"/>
+              </a:ext>
+            </a:extLst>
+          </p:cNvPr>
+          <p:cNvSpPr txBox="1"/>
+          <p:nvPr/>
+        </p:nvSpPr>
+        <p:spPr>
+          <a:xfrm>
+            <a:off x="3521617" y="6302424"/>
+            <a:ext cx="354584" cy="276999"/>
+          </a:xfrm>
+          <a:prstGeom prst="rect">
+            <a:avLst/>
+          </a:prstGeom>
+          <a:noFill/>
+        </p:spPr>
+        <p:txBody>
+          <a:bodyPr wrap="none" rtlCol="0">
+            <a:spAutoFit/>
+          </a:bodyPr>
+          <a:lstStyle/>
+          <a:p>
+            <a:r>
+              <a:rPr lang="en-US" sz="1200" dirty="0">
+                <a:latin typeface="Arial" panose="020B0604020202020204" pitchFamily="34" charset="0"/>
+                <a:cs typeface="Arial" panose="020B0604020202020204" pitchFamily="34" charset="0"/>
+              </a:rPr>
+              <a:t>33</a:t>
+            </a:r>
+          </a:p>
+        </p:txBody>
+      </p:sp>
+      <p:sp>
+        <p:nvSpPr>
+          <p:cNvPr id="104" name="TextBox 103">
+            <a:extLst>
+              <a:ext uri="{FF2B5EF4-FFF2-40B4-BE49-F238E27FC236}">
+                <a16:creationId xmlns:a16="http://schemas.microsoft.com/office/drawing/2014/main" id="{218E723E-1914-7B30-6C9B-5037F916CB1C}"/>
+              </a:ext>
+            </a:extLst>
+          </p:cNvPr>
+          <p:cNvSpPr txBox="1"/>
+          <p:nvPr/>
+        </p:nvSpPr>
+        <p:spPr>
+          <a:xfrm>
+            <a:off x="2095864" y="6304832"/>
+            <a:ext cx="354584" cy="276999"/>
+          </a:xfrm>
+          <a:prstGeom prst="rect">
+            <a:avLst/>
+          </a:prstGeom>
+          <a:noFill/>
+        </p:spPr>
+        <p:txBody>
+          <a:bodyPr wrap="none" rtlCol="0">
+            <a:spAutoFit/>
+          </a:bodyPr>
+          <a:lstStyle/>
+          <a:p>
+            <a:r>
+              <a:rPr lang="en-US" sz="1200" dirty="0">
+                <a:latin typeface="Arial" panose="020B0604020202020204" pitchFamily="34" charset="0"/>
+                <a:cs typeface="Arial" panose="020B0604020202020204" pitchFamily="34" charset="0"/>
+              </a:rPr>
+              <a:t>32</a:t>
+            </a:r>
+          </a:p>
+        </p:txBody>
+      </p:sp>
+      <p:sp>
+        <p:nvSpPr>
+          <p:cNvPr id="105" name="TextBox 104">
+            <a:extLst>
+              <a:ext uri="{FF2B5EF4-FFF2-40B4-BE49-F238E27FC236}">
+                <a16:creationId xmlns:a16="http://schemas.microsoft.com/office/drawing/2014/main" id="{70A8E750-E449-98D7-5217-ECE4363721D6}"/>
+              </a:ext>
+            </a:extLst>
+          </p:cNvPr>
+          <p:cNvSpPr txBox="1"/>
+          <p:nvPr/>
+        </p:nvSpPr>
+        <p:spPr>
+          <a:xfrm>
+            <a:off x="1179862" y="6304832"/>
+            <a:ext cx="354584" cy="276999"/>
+          </a:xfrm>
+          <a:prstGeom prst="rect">
+            <a:avLst/>
+          </a:prstGeom>
+          <a:noFill/>
+        </p:spPr>
+        <p:txBody>
+          <a:bodyPr wrap="none" rtlCol="0">
+            <a:spAutoFit/>
+          </a:bodyPr>
+          <a:lstStyle/>
+          <a:p>
+            <a:r>
+              <a:rPr lang="en-US" sz="1200" dirty="0">
+                <a:latin typeface="Arial" panose="020B0604020202020204" pitchFamily="34" charset="0"/>
+                <a:cs typeface="Arial" panose="020B0604020202020204" pitchFamily="34" charset="0"/>
+              </a:rPr>
+              <a:t>31</a:t>
+            </a:r>
+          </a:p>
+        </p:txBody>
+      </p:sp>
+      <p:sp>
+        <p:nvSpPr>
+          <p:cNvPr id="2" name="Rectangle 1">
+            <a:extLst>
+              <a:ext uri="{FF2B5EF4-FFF2-40B4-BE49-F238E27FC236}">
+                <a16:creationId xmlns:a16="http://schemas.microsoft.com/office/drawing/2014/main" id="{8B321818-78C0-AEBD-F807-5F0F8CA575EF}"/>
+              </a:ext>
+            </a:extLst>
+          </p:cNvPr>
+          <p:cNvSpPr/>
+          <p:nvPr/>
+        </p:nvSpPr>
+        <p:spPr>
+          <a:xfrm>
+            <a:off x="8842065" y="457200"/>
+            <a:ext cx="914400" cy="914400"/>
+          </a:xfrm>
+          <a:prstGeom prst="rect">
+            <a:avLst/>
+          </a:prstGeom>
+          <a:solidFill>
+            <a:schemeClr val="bg1"/>
+          </a:solidFill>
+          <a:ln w="38100"/>
+        </p:spPr>
+        <p:style>
+          <a:lnRef idx="2">
+            <a:schemeClr val="accent1">
+              <a:shade val="15000"/>
+            </a:schemeClr>
+          </a:lnRef>
+          <a:fillRef idx="1">
+            <a:schemeClr val="accent1"/>
+          </a:fillRef>
+          <a:effectRef idx="0">
+            <a:schemeClr val="accent1"/>
+          </a:effectRef>
+          <a:fontRef idx="minor">
+            <a:schemeClr val="lt1"/>
+          </a:fontRef>
+        </p:style>
+        <p:txBody>
+          <a:bodyPr rtlCol="0" anchor="ctr"/>
+          <a:lstStyle/>
+          <a:p>
+            <a:pPr algn="ctr"/>
+            <a:endParaRPr lang="en-US" dirty="0"/>
+          </a:p>
+        </p:txBody>
+      </p:sp>
+      <p:sp>
+        <p:nvSpPr>
+          <p:cNvPr id="3" name="Rectangle 2">
+            <a:extLst>
+              <a:ext uri="{FF2B5EF4-FFF2-40B4-BE49-F238E27FC236}">
+                <a16:creationId xmlns:a16="http://schemas.microsoft.com/office/drawing/2014/main" id="{9E295FDD-80EF-D1F4-EE9F-B8B99C5C5B02}"/>
+              </a:ext>
+            </a:extLst>
+          </p:cNvPr>
+          <p:cNvSpPr/>
+          <p:nvPr/>
+        </p:nvSpPr>
+        <p:spPr>
+          <a:xfrm>
+            <a:off x="8842065" y="1795543"/>
+            <a:ext cx="914400" cy="914400"/>
+          </a:xfrm>
+          <a:prstGeom prst="rect">
+            <a:avLst/>
+          </a:prstGeom>
+          <a:solidFill>
+            <a:schemeClr val="bg1">
+              <a:lumMod val="75000"/>
+            </a:schemeClr>
+          </a:solidFill>
+          <a:ln w="38100"/>
+        </p:spPr>
+        <p:style>
+          <a:lnRef idx="2">
+            <a:schemeClr val="accent1">
+              <a:shade val="15000"/>
+            </a:schemeClr>
+          </a:lnRef>
+          <a:fillRef idx="1">
+            <a:schemeClr val="accent1"/>
+          </a:fillRef>
+          <a:effectRef idx="0">
+            <a:schemeClr val="accent1"/>
+          </a:effectRef>
+          <a:fontRef idx="minor">
+            <a:schemeClr val="lt1"/>
+          </a:fontRef>
+        </p:style>
+        <p:txBody>
+          <a:bodyPr rtlCol="0" anchor="ctr"/>
+          <a:lstStyle/>
+          <a:p>
+            <a:pPr algn="ctr"/>
+            <a:endParaRPr lang="en-US"/>
+          </a:p>
+        </p:txBody>
+      </p:sp>
+      <p:sp>
+        <p:nvSpPr>
+          <p:cNvPr id="6" name="TextBox 5">
+            <a:extLst>
+              <a:ext uri="{FF2B5EF4-FFF2-40B4-BE49-F238E27FC236}">
+                <a16:creationId xmlns:a16="http://schemas.microsoft.com/office/drawing/2014/main" id="{87303A42-DDEE-B6B6-DBC6-6623AC805B16}"/>
+              </a:ext>
+            </a:extLst>
+          </p:cNvPr>
+          <p:cNvSpPr txBox="1"/>
+          <p:nvPr/>
+        </p:nvSpPr>
+        <p:spPr>
+          <a:xfrm>
+            <a:off x="9871023" y="583906"/>
+            <a:ext cx="1641796" cy="584775"/>
+          </a:xfrm>
+          <a:prstGeom prst="rect">
+            <a:avLst/>
+          </a:prstGeom>
+          <a:noFill/>
+        </p:spPr>
+        <p:txBody>
+          <a:bodyPr wrap="none" rtlCol="0">
+            <a:spAutoFit/>
+          </a:bodyPr>
+          <a:lstStyle/>
+          <a:p>
+            <a:r>
+              <a:rPr lang="en-US" sz="3200" dirty="0">
+                <a:latin typeface="Arial" panose="020B0604020202020204" pitchFamily="34" charset="0"/>
+                <a:cs typeface="Arial" panose="020B0604020202020204" pitchFamily="34" charset="0"/>
+              </a:rPr>
+              <a:t>ambient</a:t>
+            </a:r>
+          </a:p>
+        </p:txBody>
+      </p:sp>
+      <p:sp>
+        <p:nvSpPr>
+          <p:cNvPr id="7" name="TextBox 6">
+            <a:extLst>
+              <a:ext uri="{FF2B5EF4-FFF2-40B4-BE49-F238E27FC236}">
+                <a16:creationId xmlns:a16="http://schemas.microsoft.com/office/drawing/2014/main" id="{50556A33-622D-8460-0AA1-91FF8339EE6D}"/>
+              </a:ext>
+            </a:extLst>
+          </p:cNvPr>
+          <p:cNvSpPr txBox="1"/>
+          <p:nvPr/>
+        </p:nvSpPr>
+        <p:spPr>
+          <a:xfrm>
+            <a:off x="9882244" y="1856832"/>
+            <a:ext cx="1619354" cy="584775"/>
+          </a:xfrm>
+          <a:prstGeom prst="rect">
+            <a:avLst/>
+          </a:prstGeom>
+          <a:noFill/>
+        </p:spPr>
+        <p:txBody>
+          <a:bodyPr wrap="none" rtlCol="0">
+            <a:spAutoFit/>
+          </a:bodyPr>
+          <a:lstStyle/>
+          <a:p>
+            <a:r>
+              <a:rPr lang="en-US" sz="3200" dirty="0">
+                <a:latin typeface="Arial" panose="020B0604020202020204" pitchFamily="34" charset="0"/>
+                <a:cs typeface="Arial" panose="020B0604020202020204" pitchFamily="34" charset="0"/>
+              </a:rPr>
+              <a:t>weeded</a:t>
+            </a:r>
+          </a:p>
+        </p:txBody>
+      </p:sp>
+      <p:sp>
+        <p:nvSpPr>
+          <p:cNvPr id="5" name="Oval 4">
+            <a:extLst>
+              <a:ext uri="{FF2B5EF4-FFF2-40B4-BE49-F238E27FC236}">
+                <a16:creationId xmlns:a16="http://schemas.microsoft.com/office/drawing/2014/main" id="{F6E04113-03AE-C6D9-ABCB-556FFAC6718D}"/>
+              </a:ext>
+            </a:extLst>
+          </p:cNvPr>
+          <p:cNvSpPr>
+            <a:spLocks/>
+          </p:cNvSpPr>
+          <p:nvPr/>
+        </p:nvSpPr>
+        <p:spPr>
+          <a:xfrm>
+            <a:off x="9439138" y="5166349"/>
+            <a:ext cx="228600" cy="228600"/>
+          </a:xfrm>
+          <a:prstGeom prst="ellipse">
+            <a:avLst/>
+          </a:prstGeom>
+          <a:solidFill>
+            <a:srgbClr val="C00000"/>
+          </a:solidFill>
+        </p:spPr>
+        <p:style>
+          <a:lnRef idx="2">
+            <a:schemeClr val="dk1">
+              <a:shade val="15000"/>
+            </a:schemeClr>
+          </a:lnRef>
+          <a:fillRef idx="1">
+            <a:schemeClr val="dk1"/>
+          </a:fillRef>
+          <a:effectRef idx="0">
+            <a:schemeClr val="dk1"/>
+          </a:effectRef>
+          <a:fontRef idx="minor">
+            <a:schemeClr val="lt1"/>
+          </a:fontRef>
+        </p:style>
+        <p:txBody>
+          <a:bodyPr rtlCol="0" anchor="ctr"/>
+          <a:lstStyle/>
+          <a:p>
+            <a:pPr algn="ctr"/>
+            <a:endParaRPr lang="en-US"/>
+          </a:p>
+        </p:txBody>
+      </p:sp>
+      <p:sp>
+        <p:nvSpPr>
+          <p:cNvPr id="8" name="Oval 7">
+            <a:extLst>
+              <a:ext uri="{FF2B5EF4-FFF2-40B4-BE49-F238E27FC236}">
+                <a16:creationId xmlns:a16="http://schemas.microsoft.com/office/drawing/2014/main" id="{16E489B7-6759-CCD8-CC82-192D1F1D4FAF}"/>
+              </a:ext>
+            </a:extLst>
+          </p:cNvPr>
+          <p:cNvSpPr>
+            <a:spLocks/>
+          </p:cNvSpPr>
+          <p:nvPr/>
+        </p:nvSpPr>
+        <p:spPr>
+          <a:xfrm>
+            <a:off x="9439138" y="4808680"/>
+            <a:ext cx="228600" cy="228600"/>
+          </a:xfrm>
+          <a:prstGeom prst="ellipse">
+            <a:avLst/>
+          </a:prstGeom>
+        </p:spPr>
+        <p:style>
+          <a:lnRef idx="2">
+            <a:schemeClr val="dk1">
+              <a:shade val="15000"/>
+            </a:schemeClr>
+          </a:lnRef>
+          <a:fillRef idx="1">
+            <a:schemeClr val="dk1"/>
+          </a:fillRef>
+          <a:effectRef idx="0">
+            <a:schemeClr val="dk1"/>
+          </a:effectRef>
+          <a:fontRef idx="minor">
+            <a:schemeClr val="lt1"/>
+          </a:fontRef>
+        </p:style>
+        <p:txBody>
+          <a:bodyPr rtlCol="0" anchor="ctr"/>
+          <a:lstStyle/>
+          <a:p>
+            <a:pPr algn="ctr"/>
+            <a:endParaRPr lang="en-US"/>
+          </a:p>
+        </p:txBody>
+      </p:sp>
+      <p:sp>
+        <p:nvSpPr>
+          <p:cNvPr id="9" name="Oval 8">
+            <a:extLst>
+              <a:ext uri="{FF2B5EF4-FFF2-40B4-BE49-F238E27FC236}">
+                <a16:creationId xmlns:a16="http://schemas.microsoft.com/office/drawing/2014/main" id="{EB27ECB6-D5AD-5654-873A-483CA3D9562A}"/>
+              </a:ext>
+            </a:extLst>
+          </p:cNvPr>
+          <p:cNvSpPr>
+            <a:spLocks/>
+          </p:cNvSpPr>
+          <p:nvPr/>
+        </p:nvSpPr>
+        <p:spPr>
+          <a:xfrm>
+            <a:off x="9439138" y="5519658"/>
+            <a:ext cx="228600" cy="228600"/>
+          </a:xfrm>
+          <a:prstGeom prst="ellipse">
+            <a:avLst/>
+          </a:prstGeom>
+        </p:spPr>
+        <p:style>
+          <a:lnRef idx="2">
+            <a:schemeClr val="accent1">
+              <a:shade val="15000"/>
+            </a:schemeClr>
+          </a:lnRef>
+          <a:fillRef idx="1">
+            <a:schemeClr val="accent1"/>
+          </a:fillRef>
+          <a:effectRef idx="0">
+            <a:schemeClr val="accent1"/>
+          </a:effectRef>
+          <a:fontRef idx="minor">
+            <a:schemeClr val="lt1"/>
+          </a:fontRef>
+        </p:style>
+        <p:txBody>
+          <a:bodyPr rtlCol="0" anchor="ctr"/>
+          <a:lstStyle/>
+          <a:p>
+            <a:pPr algn="ctr"/>
+            <a:endParaRPr lang="en-US"/>
+          </a:p>
+        </p:txBody>
+      </p:sp>
+      <p:sp>
+        <p:nvSpPr>
+          <p:cNvPr id="10" name="TextBox 9">
+            <a:extLst>
+              <a:ext uri="{FF2B5EF4-FFF2-40B4-BE49-F238E27FC236}">
+                <a16:creationId xmlns:a16="http://schemas.microsoft.com/office/drawing/2014/main" id="{96A5F5D4-EBB5-24A7-92FE-C1F81154B22A}"/>
+              </a:ext>
+            </a:extLst>
+          </p:cNvPr>
+          <p:cNvSpPr txBox="1"/>
+          <p:nvPr/>
+        </p:nvSpPr>
+        <p:spPr>
+          <a:xfrm>
+            <a:off x="9667738" y="4719892"/>
+            <a:ext cx="1266693" cy="369332"/>
+          </a:xfrm>
+          <a:prstGeom prst="rect">
+            <a:avLst/>
+          </a:prstGeom>
+          <a:noFill/>
+        </p:spPr>
+        <p:txBody>
+          <a:bodyPr wrap="none" rtlCol="0">
+            <a:spAutoFit/>
+          </a:bodyPr>
+          <a:lstStyle/>
+          <a:p>
+            <a:r>
+              <a:rPr lang="en-US" dirty="0"/>
+              <a:t>ammonium</a:t>
+            </a:r>
+          </a:p>
+        </p:txBody>
+      </p:sp>
+      <p:sp>
+        <p:nvSpPr>
+          <p:cNvPr id="11" name="TextBox 10">
+            <a:extLst>
+              <a:ext uri="{FF2B5EF4-FFF2-40B4-BE49-F238E27FC236}">
+                <a16:creationId xmlns:a16="http://schemas.microsoft.com/office/drawing/2014/main" id="{5A8F20D5-4F10-86D2-36BA-FEDE53A1A559}"/>
+              </a:ext>
+            </a:extLst>
+          </p:cNvPr>
+          <p:cNvSpPr txBox="1"/>
+          <p:nvPr/>
+        </p:nvSpPr>
+        <p:spPr>
+          <a:xfrm>
+            <a:off x="9672219" y="5070190"/>
+            <a:ext cx="810094" cy="369332"/>
+          </a:xfrm>
+          <a:prstGeom prst="rect">
+            <a:avLst/>
+          </a:prstGeom>
+          <a:noFill/>
+        </p:spPr>
+        <p:txBody>
+          <a:bodyPr wrap="none" rtlCol="0">
+            <a:spAutoFit/>
+          </a:bodyPr>
+          <a:lstStyle/>
+          <a:p>
+            <a:r>
+              <a:rPr lang="en-US" dirty="0"/>
+              <a:t>nitrate</a:t>
+            </a:r>
+          </a:p>
+        </p:txBody>
+      </p:sp>
+      <p:sp>
+        <p:nvSpPr>
+          <p:cNvPr id="12" name="TextBox 11">
+            <a:extLst>
+              <a:ext uri="{FF2B5EF4-FFF2-40B4-BE49-F238E27FC236}">
+                <a16:creationId xmlns:a16="http://schemas.microsoft.com/office/drawing/2014/main" id="{6A960162-D696-0714-51A3-F4DB59573850}"/>
+              </a:ext>
+            </a:extLst>
+          </p:cNvPr>
+          <p:cNvSpPr txBox="1"/>
+          <p:nvPr/>
+        </p:nvSpPr>
+        <p:spPr>
+          <a:xfrm>
+            <a:off x="9667738" y="5411994"/>
+            <a:ext cx="1181927" cy="369332"/>
+          </a:xfrm>
+          <a:prstGeom prst="rect">
+            <a:avLst/>
+          </a:prstGeom>
+          <a:noFill/>
+        </p:spPr>
+        <p:txBody>
+          <a:bodyPr wrap="none" rtlCol="0">
+            <a:spAutoFit/>
+          </a:bodyPr>
+          <a:lstStyle/>
+          <a:p>
+            <a:r>
+              <a:rPr lang="en-US" dirty="0"/>
+              <a:t>phosphate</a:t>
+            </a:r>
+          </a:p>
+        </p:txBody>
+      </p:sp>
+      <p:sp>
+        <p:nvSpPr>
+          <p:cNvPr id="13" name="Oval 12">
+            <a:extLst>
+              <a:ext uri="{FF2B5EF4-FFF2-40B4-BE49-F238E27FC236}">
+                <a16:creationId xmlns:a16="http://schemas.microsoft.com/office/drawing/2014/main" id="{38908E35-D716-E305-48F9-E8C383FC16EB}"/>
+              </a:ext>
+            </a:extLst>
+          </p:cNvPr>
+          <p:cNvSpPr>
+            <a:spLocks/>
+          </p:cNvSpPr>
+          <p:nvPr/>
+        </p:nvSpPr>
+        <p:spPr>
+          <a:xfrm>
+            <a:off x="1506546" y="1365125"/>
+            <a:ext cx="228600" cy="228600"/>
+          </a:xfrm>
+          <a:prstGeom prst="ellipse">
+            <a:avLst/>
+          </a:prstGeom>
+        </p:spPr>
+        <p:style>
+          <a:lnRef idx="2">
+            <a:schemeClr val="dk1">
+              <a:shade val="15000"/>
+            </a:schemeClr>
+          </a:lnRef>
+          <a:fillRef idx="1">
+            <a:schemeClr val="dk1"/>
+          </a:fillRef>
+          <a:effectRef idx="0">
+            <a:schemeClr val="dk1"/>
+          </a:effectRef>
+          <a:fontRef idx="minor">
+            <a:schemeClr val="lt1"/>
+          </a:fontRef>
+        </p:style>
+        <p:txBody>
+          <a:bodyPr rtlCol="0" anchor="ctr"/>
+          <a:lstStyle/>
+          <a:p>
+            <a:pPr algn="ctr"/>
+            <a:endParaRPr lang="en-US"/>
+          </a:p>
+        </p:txBody>
+      </p:sp>
+      <p:sp>
+        <p:nvSpPr>
+          <p:cNvPr id="15" name="Oval 14">
+            <a:extLst>
+              <a:ext uri="{FF2B5EF4-FFF2-40B4-BE49-F238E27FC236}">
+                <a16:creationId xmlns:a16="http://schemas.microsoft.com/office/drawing/2014/main" id="{21515D66-1C5C-57C1-47EA-3B3CB6021E1A}"/>
+              </a:ext>
+            </a:extLst>
+          </p:cNvPr>
+          <p:cNvSpPr>
+            <a:spLocks/>
+          </p:cNvSpPr>
+          <p:nvPr/>
+        </p:nvSpPr>
+        <p:spPr>
+          <a:xfrm>
+            <a:off x="1506546" y="3567375"/>
+            <a:ext cx="228600" cy="228600"/>
+          </a:xfrm>
+          <a:prstGeom prst="ellipse">
+            <a:avLst/>
+          </a:prstGeom>
+        </p:spPr>
+        <p:style>
+          <a:lnRef idx="2">
+            <a:schemeClr val="dk1">
+              <a:shade val="15000"/>
+            </a:schemeClr>
+          </a:lnRef>
+          <a:fillRef idx="1">
+            <a:schemeClr val="dk1"/>
+          </a:fillRef>
+          <a:effectRef idx="0">
+            <a:schemeClr val="dk1"/>
+          </a:effectRef>
+          <a:fontRef idx="minor">
+            <a:schemeClr val="lt1"/>
+          </a:fontRef>
+        </p:style>
+        <p:txBody>
+          <a:bodyPr rtlCol="0" anchor="ctr"/>
+          <a:lstStyle/>
+          <a:p>
+            <a:pPr algn="ctr"/>
+            <a:endParaRPr lang="en-US"/>
+          </a:p>
+        </p:txBody>
+      </p:sp>
+      <p:sp>
+        <p:nvSpPr>
+          <p:cNvPr id="16" name="Oval 15">
+            <a:extLst>
+              <a:ext uri="{FF2B5EF4-FFF2-40B4-BE49-F238E27FC236}">
+                <a16:creationId xmlns:a16="http://schemas.microsoft.com/office/drawing/2014/main" id="{21CF8B41-5B97-1013-19B5-C3410F1B5ED4}"/>
+              </a:ext>
+            </a:extLst>
+          </p:cNvPr>
+          <p:cNvSpPr>
+            <a:spLocks/>
+          </p:cNvSpPr>
+          <p:nvPr/>
+        </p:nvSpPr>
+        <p:spPr>
+          <a:xfrm>
+            <a:off x="1506546" y="5733332"/>
+            <a:ext cx="228600" cy="228600"/>
+          </a:xfrm>
+          <a:prstGeom prst="ellipse">
+            <a:avLst/>
+          </a:prstGeom>
+        </p:spPr>
+        <p:style>
+          <a:lnRef idx="2">
+            <a:schemeClr val="dk1">
+              <a:shade val="15000"/>
+            </a:schemeClr>
+          </a:lnRef>
+          <a:fillRef idx="1">
+            <a:schemeClr val="dk1"/>
+          </a:fillRef>
+          <a:effectRef idx="0">
+            <a:schemeClr val="dk1"/>
+          </a:effectRef>
+          <a:fontRef idx="minor">
+            <a:schemeClr val="lt1"/>
+          </a:fontRef>
+        </p:style>
+        <p:txBody>
+          <a:bodyPr rtlCol="0" anchor="ctr"/>
+          <a:lstStyle/>
+          <a:p>
+            <a:pPr algn="ctr"/>
+            <a:endParaRPr lang="en-US"/>
+          </a:p>
+        </p:txBody>
+      </p:sp>
+      <p:sp>
+        <p:nvSpPr>
+          <p:cNvPr id="17" name="Oval 16">
+            <a:extLst>
+              <a:ext uri="{FF2B5EF4-FFF2-40B4-BE49-F238E27FC236}">
+                <a16:creationId xmlns:a16="http://schemas.microsoft.com/office/drawing/2014/main" id="{98DF5862-30E8-D3A1-E4D4-FC749E92EF7A}"/>
+              </a:ext>
+            </a:extLst>
+          </p:cNvPr>
+          <p:cNvSpPr>
+            <a:spLocks/>
+          </p:cNvSpPr>
+          <p:nvPr/>
+        </p:nvSpPr>
+        <p:spPr>
+          <a:xfrm>
+            <a:off x="4066297" y="1359120"/>
+            <a:ext cx="228600" cy="228600"/>
+          </a:xfrm>
+          <a:prstGeom prst="ellipse">
+            <a:avLst/>
+          </a:prstGeom>
+        </p:spPr>
+        <p:style>
+          <a:lnRef idx="2">
+            <a:schemeClr val="dk1">
+              <a:shade val="15000"/>
+            </a:schemeClr>
+          </a:lnRef>
+          <a:fillRef idx="1">
+            <a:schemeClr val="dk1"/>
+          </a:fillRef>
+          <a:effectRef idx="0">
+            <a:schemeClr val="dk1"/>
+          </a:effectRef>
+          <a:fontRef idx="minor">
+            <a:schemeClr val="lt1"/>
+          </a:fontRef>
+        </p:style>
+        <p:txBody>
+          <a:bodyPr rtlCol="0" anchor="ctr"/>
+          <a:lstStyle/>
+          <a:p>
+            <a:pPr algn="ctr"/>
+            <a:endParaRPr lang="en-US"/>
+          </a:p>
+        </p:txBody>
+      </p:sp>
+      <p:sp>
+        <p:nvSpPr>
+          <p:cNvPr id="18" name="Oval 17">
+            <a:extLst>
+              <a:ext uri="{FF2B5EF4-FFF2-40B4-BE49-F238E27FC236}">
+                <a16:creationId xmlns:a16="http://schemas.microsoft.com/office/drawing/2014/main" id="{3456E67A-FFFC-A01B-2581-D737868DB568}"/>
+              </a:ext>
+            </a:extLst>
+          </p:cNvPr>
+          <p:cNvSpPr>
+            <a:spLocks/>
+          </p:cNvSpPr>
+          <p:nvPr/>
+        </p:nvSpPr>
+        <p:spPr>
+          <a:xfrm>
+            <a:off x="4094513" y="4419764"/>
+            <a:ext cx="228600" cy="228600"/>
+          </a:xfrm>
+          <a:prstGeom prst="ellipse">
+            <a:avLst/>
+          </a:prstGeom>
+        </p:spPr>
+        <p:style>
+          <a:lnRef idx="2">
+            <a:schemeClr val="dk1">
+              <a:shade val="15000"/>
+            </a:schemeClr>
+          </a:lnRef>
+          <a:fillRef idx="1">
+            <a:schemeClr val="dk1"/>
+          </a:fillRef>
+          <a:effectRef idx="0">
+            <a:schemeClr val="dk1"/>
+          </a:effectRef>
+          <a:fontRef idx="minor">
+            <a:schemeClr val="lt1"/>
+          </a:fontRef>
+        </p:style>
+        <p:txBody>
+          <a:bodyPr rtlCol="0" anchor="ctr"/>
+          <a:lstStyle/>
+          <a:p>
+            <a:pPr algn="ctr"/>
+            <a:endParaRPr lang="en-US"/>
+          </a:p>
+        </p:txBody>
+      </p:sp>
+      <p:sp>
+        <p:nvSpPr>
+          <p:cNvPr id="19" name="Oval 18">
+            <a:extLst>
+              <a:ext uri="{FF2B5EF4-FFF2-40B4-BE49-F238E27FC236}">
+                <a16:creationId xmlns:a16="http://schemas.microsoft.com/office/drawing/2014/main" id="{E8E0862C-E3FE-8331-8E55-35B78DD85EC5}"/>
+              </a:ext>
+            </a:extLst>
+          </p:cNvPr>
+          <p:cNvSpPr>
+            <a:spLocks/>
+          </p:cNvSpPr>
+          <p:nvPr/>
+        </p:nvSpPr>
+        <p:spPr>
+          <a:xfrm>
+            <a:off x="4088091" y="5748236"/>
+            <a:ext cx="228600" cy="228600"/>
+          </a:xfrm>
+          <a:prstGeom prst="ellipse">
+            <a:avLst/>
+          </a:prstGeom>
+        </p:spPr>
+        <p:style>
+          <a:lnRef idx="2">
+            <a:schemeClr val="dk1">
+              <a:shade val="15000"/>
+            </a:schemeClr>
+          </a:lnRef>
+          <a:fillRef idx="1">
+            <a:schemeClr val="dk1"/>
+          </a:fillRef>
+          <a:effectRef idx="0">
+            <a:schemeClr val="dk1"/>
+          </a:effectRef>
+          <a:fontRef idx="minor">
+            <a:schemeClr val="lt1"/>
+          </a:fontRef>
+        </p:style>
+        <p:txBody>
+          <a:bodyPr rtlCol="0" anchor="ctr"/>
+          <a:lstStyle/>
+          <a:p>
+            <a:pPr algn="ctr"/>
+            <a:endParaRPr lang="en-US"/>
+          </a:p>
+        </p:txBody>
+      </p:sp>
+      <p:sp>
+        <p:nvSpPr>
+          <p:cNvPr id="20" name="Oval 19">
+            <a:extLst>
+              <a:ext uri="{FF2B5EF4-FFF2-40B4-BE49-F238E27FC236}">
+                <a16:creationId xmlns:a16="http://schemas.microsoft.com/office/drawing/2014/main" id="{3C152E4F-2F53-8F31-94F2-0B29B2914029}"/>
+              </a:ext>
+            </a:extLst>
+          </p:cNvPr>
+          <p:cNvSpPr>
+            <a:spLocks/>
+          </p:cNvSpPr>
+          <p:nvPr/>
+        </p:nvSpPr>
+        <p:spPr>
+          <a:xfrm>
+            <a:off x="3681935" y="1365125"/>
+            <a:ext cx="228600" cy="228600"/>
+          </a:xfrm>
+          <a:prstGeom prst="ellipse">
+            <a:avLst/>
+          </a:prstGeom>
+        </p:spPr>
+        <p:style>
+          <a:lnRef idx="2">
+            <a:schemeClr val="accent1">
+              <a:shade val="15000"/>
+            </a:schemeClr>
+          </a:lnRef>
+          <a:fillRef idx="1">
+            <a:schemeClr val="accent1"/>
+          </a:fillRef>
+          <a:effectRef idx="0">
+            <a:schemeClr val="accent1"/>
+          </a:effectRef>
+          <a:fontRef idx="minor">
+            <a:schemeClr val="lt1"/>
+          </a:fontRef>
+        </p:style>
+        <p:txBody>
+          <a:bodyPr rtlCol="0" anchor="ctr"/>
+          <a:lstStyle/>
+          <a:p>
+            <a:pPr algn="ctr"/>
+            <a:endParaRPr lang="en-US"/>
+          </a:p>
+        </p:txBody>
+      </p:sp>
+      <p:sp>
+        <p:nvSpPr>
+          <p:cNvPr id="22" name="Oval 21">
+            <a:extLst>
+              <a:ext uri="{FF2B5EF4-FFF2-40B4-BE49-F238E27FC236}">
+                <a16:creationId xmlns:a16="http://schemas.microsoft.com/office/drawing/2014/main" id="{759B05EF-2E59-4989-D61D-C5470DF81968}"/>
+              </a:ext>
+            </a:extLst>
+          </p:cNvPr>
+          <p:cNvSpPr>
+            <a:spLocks/>
+          </p:cNvSpPr>
+          <p:nvPr/>
+        </p:nvSpPr>
+        <p:spPr>
+          <a:xfrm>
+            <a:off x="3691238" y="4419764"/>
+            <a:ext cx="228600" cy="228600"/>
+          </a:xfrm>
+          <a:prstGeom prst="ellipse">
+            <a:avLst/>
+          </a:prstGeom>
+        </p:spPr>
+        <p:style>
+          <a:lnRef idx="2">
+            <a:schemeClr val="accent1">
+              <a:shade val="15000"/>
+            </a:schemeClr>
+          </a:lnRef>
+          <a:fillRef idx="1">
+            <a:schemeClr val="accent1"/>
+          </a:fillRef>
+          <a:effectRef idx="0">
+            <a:schemeClr val="accent1"/>
+          </a:effectRef>
+          <a:fontRef idx="minor">
+            <a:schemeClr val="lt1"/>
+          </a:fontRef>
+        </p:style>
+        <p:txBody>
+          <a:bodyPr rtlCol="0" anchor="ctr"/>
+          <a:lstStyle/>
+          <a:p>
+            <a:pPr algn="ctr"/>
+            <a:endParaRPr lang="en-US"/>
+          </a:p>
+        </p:txBody>
+      </p:sp>
+      <p:sp>
+        <p:nvSpPr>
+          <p:cNvPr id="32" name="Oval 31">
+            <a:extLst>
+              <a:ext uri="{FF2B5EF4-FFF2-40B4-BE49-F238E27FC236}">
+                <a16:creationId xmlns:a16="http://schemas.microsoft.com/office/drawing/2014/main" id="{29F7C4C5-2487-C0AC-24AC-349F97221C31}"/>
+              </a:ext>
+            </a:extLst>
+          </p:cNvPr>
+          <p:cNvSpPr>
+            <a:spLocks/>
+          </p:cNvSpPr>
+          <p:nvPr/>
+        </p:nvSpPr>
+        <p:spPr>
+          <a:xfrm>
+            <a:off x="2433218" y="2263133"/>
+            <a:ext cx="228600" cy="228600"/>
+          </a:xfrm>
+          <a:prstGeom prst="ellipse">
+            <a:avLst/>
+          </a:prstGeom>
+        </p:spPr>
+        <p:style>
+          <a:lnRef idx="2">
+            <a:schemeClr val="accent1">
+              <a:shade val="15000"/>
+            </a:schemeClr>
+          </a:lnRef>
+          <a:fillRef idx="1">
+            <a:schemeClr val="accent1"/>
+          </a:fillRef>
+          <a:effectRef idx="0">
+            <a:schemeClr val="accent1"/>
+          </a:effectRef>
+          <a:fontRef idx="minor">
+            <a:schemeClr val="lt1"/>
+          </a:fontRef>
+        </p:style>
+        <p:txBody>
+          <a:bodyPr rtlCol="0" anchor="ctr"/>
+          <a:lstStyle/>
+          <a:p>
+            <a:pPr algn="ctr"/>
+            <a:endParaRPr lang="en-US"/>
+          </a:p>
+        </p:txBody>
+      </p:sp>
+      <p:sp>
+        <p:nvSpPr>
+          <p:cNvPr id="33" name="Oval 32">
+            <a:extLst>
+              <a:ext uri="{FF2B5EF4-FFF2-40B4-BE49-F238E27FC236}">
+                <a16:creationId xmlns:a16="http://schemas.microsoft.com/office/drawing/2014/main" id="{E0AE9C53-B4A2-3B3B-B008-D66B109B0841}"/>
+              </a:ext>
+            </a:extLst>
+          </p:cNvPr>
+          <p:cNvSpPr>
+            <a:spLocks/>
+          </p:cNvSpPr>
+          <p:nvPr/>
+        </p:nvSpPr>
+        <p:spPr>
+          <a:xfrm>
+            <a:off x="2450448" y="3567375"/>
+            <a:ext cx="228600" cy="228600"/>
+          </a:xfrm>
+          <a:prstGeom prst="ellipse">
+            <a:avLst/>
+          </a:prstGeom>
+        </p:spPr>
+        <p:style>
+          <a:lnRef idx="2">
+            <a:schemeClr val="accent1">
+              <a:shade val="15000"/>
+            </a:schemeClr>
+          </a:lnRef>
+          <a:fillRef idx="1">
+            <a:schemeClr val="accent1"/>
+          </a:fillRef>
+          <a:effectRef idx="0">
+            <a:schemeClr val="accent1"/>
+          </a:effectRef>
+          <a:fontRef idx="minor">
+            <a:schemeClr val="lt1"/>
+          </a:fontRef>
+        </p:style>
+        <p:txBody>
+          <a:bodyPr rtlCol="0" anchor="ctr"/>
+          <a:lstStyle/>
+          <a:p>
+            <a:pPr algn="ctr"/>
+            <a:endParaRPr lang="en-US"/>
+          </a:p>
+        </p:txBody>
+      </p:sp>
+      <p:sp>
+        <p:nvSpPr>
+          <p:cNvPr id="34" name="Oval 33">
+            <a:extLst>
+              <a:ext uri="{FF2B5EF4-FFF2-40B4-BE49-F238E27FC236}">
+                <a16:creationId xmlns:a16="http://schemas.microsoft.com/office/drawing/2014/main" id="{4A4A95EA-5941-F0E6-48ED-99C56EB3AE84}"/>
+              </a:ext>
+            </a:extLst>
+          </p:cNvPr>
+          <p:cNvSpPr>
+            <a:spLocks/>
+          </p:cNvSpPr>
+          <p:nvPr/>
+        </p:nvSpPr>
+        <p:spPr>
+          <a:xfrm>
+            <a:off x="2450448" y="6652249"/>
+            <a:ext cx="228600" cy="228600"/>
+          </a:xfrm>
+          <a:prstGeom prst="ellipse">
+            <a:avLst/>
+          </a:prstGeom>
+        </p:spPr>
+        <p:style>
+          <a:lnRef idx="2">
+            <a:schemeClr val="accent1">
+              <a:shade val="15000"/>
+            </a:schemeClr>
+          </a:lnRef>
+          <a:fillRef idx="1">
+            <a:schemeClr val="accent1"/>
+          </a:fillRef>
+          <a:effectRef idx="0">
+            <a:schemeClr val="accent1"/>
+          </a:effectRef>
+          <a:fontRef idx="minor">
+            <a:schemeClr val="lt1"/>
+          </a:fontRef>
+        </p:style>
+        <p:txBody>
+          <a:bodyPr rtlCol="0" anchor="ctr"/>
+          <a:lstStyle/>
+          <a:p>
+            <a:pPr algn="ctr"/>
+            <a:endParaRPr lang="en-US"/>
+          </a:p>
+        </p:txBody>
+      </p:sp>
+      <p:sp>
+        <p:nvSpPr>
+          <p:cNvPr id="36" name="Oval 35">
+            <a:extLst>
+              <a:ext uri="{FF2B5EF4-FFF2-40B4-BE49-F238E27FC236}">
+                <a16:creationId xmlns:a16="http://schemas.microsoft.com/office/drawing/2014/main" id="{0656A5A1-A035-26E0-539B-7FAC98F7A2B2}"/>
+              </a:ext>
+            </a:extLst>
+          </p:cNvPr>
+          <p:cNvSpPr>
+            <a:spLocks/>
+          </p:cNvSpPr>
+          <p:nvPr/>
+        </p:nvSpPr>
+        <p:spPr>
+          <a:xfrm>
+            <a:off x="1507895" y="2251074"/>
+            <a:ext cx="228600" cy="228600"/>
+          </a:xfrm>
+          <a:prstGeom prst="ellipse">
+            <a:avLst/>
+          </a:prstGeom>
+          <a:solidFill>
+            <a:srgbClr val="C00000"/>
+          </a:solidFill>
+        </p:spPr>
+        <p:style>
+          <a:lnRef idx="2">
+            <a:schemeClr val="dk1">
+              <a:shade val="15000"/>
+            </a:schemeClr>
+          </a:lnRef>
+          <a:fillRef idx="1">
+            <a:schemeClr val="dk1"/>
+          </a:fillRef>
+          <a:effectRef idx="0">
+            <a:schemeClr val="dk1"/>
+          </a:effectRef>
+          <a:fontRef idx="minor">
+            <a:schemeClr val="lt1"/>
+          </a:fontRef>
+        </p:style>
+        <p:txBody>
+          <a:bodyPr rtlCol="0" anchor="ctr"/>
+          <a:lstStyle/>
+          <a:p>
+            <a:pPr algn="ctr"/>
+            <a:endParaRPr lang="en-US"/>
+          </a:p>
+        </p:txBody>
+      </p:sp>
+      <p:sp>
+        <p:nvSpPr>
+          <p:cNvPr id="41" name="Oval 40">
+            <a:extLst>
+              <a:ext uri="{FF2B5EF4-FFF2-40B4-BE49-F238E27FC236}">
+                <a16:creationId xmlns:a16="http://schemas.microsoft.com/office/drawing/2014/main" id="{396465D2-7149-0260-4281-E6B59F9D1616}"/>
+              </a:ext>
+            </a:extLst>
+          </p:cNvPr>
+          <p:cNvSpPr>
+            <a:spLocks/>
+          </p:cNvSpPr>
+          <p:nvPr/>
+        </p:nvSpPr>
+        <p:spPr>
+          <a:xfrm>
+            <a:off x="2450484" y="4487870"/>
+            <a:ext cx="228600" cy="228600"/>
+          </a:xfrm>
+          <a:prstGeom prst="ellipse">
+            <a:avLst/>
+          </a:prstGeom>
+          <a:solidFill>
+            <a:srgbClr val="C00000"/>
+          </a:solidFill>
+        </p:spPr>
+        <p:style>
+          <a:lnRef idx="2">
+            <a:schemeClr val="dk1">
+              <a:shade val="15000"/>
+            </a:schemeClr>
+          </a:lnRef>
+          <a:fillRef idx="1">
+            <a:schemeClr val="dk1"/>
+          </a:fillRef>
+          <a:effectRef idx="0">
+            <a:schemeClr val="dk1"/>
+          </a:effectRef>
+          <a:fontRef idx="minor">
+            <a:schemeClr val="lt1"/>
+          </a:fontRef>
+        </p:style>
+        <p:txBody>
+          <a:bodyPr rtlCol="0" anchor="ctr"/>
+          <a:lstStyle/>
+          <a:p>
+            <a:pPr algn="ctr"/>
+            <a:endParaRPr lang="en-US"/>
+          </a:p>
+        </p:txBody>
+      </p:sp>
+      <p:sp>
+        <p:nvSpPr>
+          <p:cNvPr id="42" name="Oval 41">
+            <a:extLst>
+              <a:ext uri="{FF2B5EF4-FFF2-40B4-BE49-F238E27FC236}">
+                <a16:creationId xmlns:a16="http://schemas.microsoft.com/office/drawing/2014/main" id="{7F5A162B-E330-38EA-E3BF-8D888E8C8C60}"/>
+              </a:ext>
+            </a:extLst>
+          </p:cNvPr>
+          <p:cNvSpPr>
+            <a:spLocks/>
+          </p:cNvSpPr>
+          <p:nvPr/>
+        </p:nvSpPr>
+        <p:spPr>
+          <a:xfrm>
+            <a:off x="2425546" y="5733332"/>
+            <a:ext cx="228600" cy="228600"/>
+          </a:xfrm>
+          <a:prstGeom prst="ellipse">
+            <a:avLst/>
+          </a:prstGeom>
+          <a:solidFill>
+            <a:srgbClr val="C00000"/>
+          </a:solidFill>
+        </p:spPr>
+        <p:style>
+          <a:lnRef idx="2">
+            <a:schemeClr val="dk1">
+              <a:shade val="15000"/>
+            </a:schemeClr>
+          </a:lnRef>
+          <a:fillRef idx="1">
+            <a:schemeClr val="dk1"/>
+          </a:fillRef>
+          <a:effectRef idx="0">
+            <a:schemeClr val="dk1"/>
+          </a:effectRef>
+          <a:fontRef idx="minor">
+            <a:schemeClr val="lt1"/>
+          </a:fontRef>
+        </p:style>
+        <p:txBody>
+          <a:bodyPr rtlCol="0" anchor="ctr"/>
+          <a:lstStyle/>
+          <a:p>
+            <a:pPr algn="ctr"/>
+            <a:endParaRPr lang="en-US"/>
+          </a:p>
+        </p:txBody>
+      </p:sp>
+      <p:sp>
+        <p:nvSpPr>
+          <p:cNvPr id="44" name="Oval 43">
+            <a:extLst>
+              <a:ext uri="{FF2B5EF4-FFF2-40B4-BE49-F238E27FC236}">
+                <a16:creationId xmlns:a16="http://schemas.microsoft.com/office/drawing/2014/main" id="{0BA0B6C4-4871-4C3D-FD07-233E28DDD09C}"/>
+              </a:ext>
+            </a:extLst>
+          </p:cNvPr>
+          <p:cNvSpPr>
+            <a:spLocks/>
+          </p:cNvSpPr>
+          <p:nvPr/>
+        </p:nvSpPr>
+        <p:spPr>
+          <a:xfrm>
+            <a:off x="3696628" y="5742922"/>
+            <a:ext cx="228600" cy="228600"/>
+          </a:xfrm>
+          <a:prstGeom prst="ellipse">
+            <a:avLst/>
+          </a:prstGeom>
+          <a:solidFill>
+            <a:srgbClr val="C00000"/>
+          </a:solidFill>
+        </p:spPr>
+        <p:style>
+          <a:lnRef idx="2">
+            <a:schemeClr val="dk1">
+              <a:shade val="15000"/>
+            </a:schemeClr>
+          </a:lnRef>
+          <a:fillRef idx="1">
+            <a:schemeClr val="dk1"/>
+          </a:fillRef>
+          <a:effectRef idx="0">
+            <a:schemeClr val="dk1"/>
+          </a:effectRef>
+          <a:fontRef idx="minor">
+            <a:schemeClr val="lt1"/>
+          </a:fontRef>
+        </p:style>
+        <p:txBody>
+          <a:bodyPr rtlCol="0" anchor="ctr"/>
+          <a:lstStyle/>
+          <a:p>
+            <a:pPr algn="ctr"/>
+            <a:endParaRPr lang="en-US"/>
+          </a:p>
+        </p:txBody>
+      </p:sp>
+      <p:sp>
+        <p:nvSpPr>
+          <p:cNvPr id="45" name="Oval 44">
+            <a:extLst>
+              <a:ext uri="{FF2B5EF4-FFF2-40B4-BE49-F238E27FC236}">
+                <a16:creationId xmlns:a16="http://schemas.microsoft.com/office/drawing/2014/main" id="{899A9060-9101-CE59-2B5C-E7BF23DE1894}"/>
+              </a:ext>
+            </a:extLst>
+          </p:cNvPr>
+          <p:cNvSpPr>
+            <a:spLocks/>
+          </p:cNvSpPr>
+          <p:nvPr/>
+        </p:nvSpPr>
+        <p:spPr>
+          <a:xfrm>
+            <a:off x="3876201" y="3563570"/>
+            <a:ext cx="228600" cy="228600"/>
+          </a:xfrm>
+          <a:prstGeom prst="ellipse">
+            <a:avLst/>
+          </a:prstGeom>
+          <a:solidFill>
+            <a:srgbClr val="C00000"/>
+          </a:solidFill>
+        </p:spPr>
+        <p:style>
+          <a:lnRef idx="2">
+            <a:schemeClr val="dk1">
+              <a:shade val="15000"/>
+            </a:schemeClr>
+          </a:lnRef>
+          <a:fillRef idx="1">
+            <a:schemeClr val="dk1"/>
+          </a:fillRef>
+          <a:effectRef idx="0">
+            <a:schemeClr val="dk1"/>
+          </a:effectRef>
+          <a:fontRef idx="minor">
+            <a:schemeClr val="lt1"/>
+          </a:fontRef>
+        </p:style>
+        <p:txBody>
+          <a:bodyPr rtlCol="0" anchor="ctr"/>
+          <a:lstStyle/>
+          <a:p>
+            <a:pPr algn="ctr"/>
+            <a:endParaRPr lang="en-US"/>
+          </a:p>
+        </p:txBody>
+      </p:sp>
+      <p:sp>
+        <p:nvSpPr>
+          <p:cNvPr id="49" name="Oval 48">
+            <a:extLst>
+              <a:ext uri="{FF2B5EF4-FFF2-40B4-BE49-F238E27FC236}">
+                <a16:creationId xmlns:a16="http://schemas.microsoft.com/office/drawing/2014/main" id="{1D8070CF-4881-4264-FE64-1C5A8D21CA1E}"/>
+              </a:ext>
+            </a:extLst>
+          </p:cNvPr>
+          <p:cNvSpPr>
+            <a:spLocks/>
+          </p:cNvSpPr>
+          <p:nvPr/>
+        </p:nvSpPr>
+        <p:spPr>
+          <a:xfrm>
+            <a:off x="3853812" y="2251074"/>
+            <a:ext cx="228600" cy="228600"/>
+          </a:xfrm>
+          <a:prstGeom prst="ellipse">
+            <a:avLst/>
+          </a:prstGeom>
+          <a:solidFill>
+            <a:srgbClr val="C00000"/>
+          </a:solidFill>
+        </p:spPr>
+        <p:style>
+          <a:lnRef idx="2">
+            <a:schemeClr val="dk1">
+              <a:shade val="15000"/>
+            </a:schemeClr>
+          </a:lnRef>
+          <a:fillRef idx="1">
+            <a:schemeClr val="dk1"/>
+          </a:fillRef>
+          <a:effectRef idx="0">
+            <a:schemeClr val="dk1"/>
+          </a:effectRef>
+          <a:fontRef idx="minor">
+            <a:schemeClr val="lt1"/>
+          </a:fontRef>
+        </p:style>
+        <p:txBody>
+          <a:bodyPr rtlCol="0" anchor="ctr"/>
+          <a:lstStyle/>
+          <a:p>
+            <a:pPr algn="ctr"/>
+            <a:endParaRPr lang="en-US"/>
+          </a:p>
+        </p:txBody>
+      </p:sp>
+      <p:sp>
+        <p:nvSpPr>
+          <p:cNvPr id="50" name="Oval 49">
+            <a:extLst>
+              <a:ext uri="{FF2B5EF4-FFF2-40B4-BE49-F238E27FC236}">
+                <a16:creationId xmlns:a16="http://schemas.microsoft.com/office/drawing/2014/main" id="{AC21B4FE-9988-37B8-1605-954364FD8ECD}"/>
+              </a:ext>
+            </a:extLst>
+          </p:cNvPr>
+          <p:cNvSpPr>
+            <a:spLocks/>
+          </p:cNvSpPr>
+          <p:nvPr/>
+        </p:nvSpPr>
+        <p:spPr>
+          <a:xfrm>
+            <a:off x="3874986" y="6647797"/>
+            <a:ext cx="228600" cy="228600"/>
+          </a:xfrm>
+          <a:prstGeom prst="ellipse">
+            <a:avLst/>
+          </a:prstGeom>
+        </p:spPr>
+        <p:style>
+          <a:lnRef idx="2">
+            <a:schemeClr val="accent1">
+              <a:shade val="15000"/>
+            </a:schemeClr>
+          </a:lnRef>
+          <a:fillRef idx="1">
+            <a:schemeClr val="accent1"/>
+          </a:fillRef>
+          <a:effectRef idx="0">
+            <a:schemeClr val="accent1"/>
+          </a:effectRef>
+          <a:fontRef idx="minor">
+            <a:schemeClr val="lt1"/>
+          </a:fontRef>
+        </p:style>
+        <p:txBody>
+          <a:bodyPr rtlCol="0" anchor="ctr"/>
+          <a:lstStyle/>
+          <a:p>
+            <a:pPr algn="ctr"/>
+            <a:endParaRPr lang="en-US"/>
+          </a:p>
+        </p:txBody>
+      </p:sp>
+      <p:sp>
+        <p:nvSpPr>
+          <p:cNvPr id="60" name="Oval 59">
+            <a:extLst>
+              <a:ext uri="{FF2B5EF4-FFF2-40B4-BE49-F238E27FC236}">
+                <a16:creationId xmlns:a16="http://schemas.microsoft.com/office/drawing/2014/main" id="{F7076AF1-5DA8-955F-D4B1-7DE180EF5A4D}"/>
+              </a:ext>
+            </a:extLst>
+          </p:cNvPr>
+          <p:cNvSpPr>
+            <a:spLocks/>
+          </p:cNvSpPr>
+          <p:nvPr/>
+        </p:nvSpPr>
+        <p:spPr>
+          <a:xfrm>
+            <a:off x="4955078" y="1372518"/>
+            <a:ext cx="228600" cy="228600"/>
+          </a:xfrm>
+          <a:prstGeom prst="ellipse">
+            <a:avLst/>
+          </a:prstGeom>
+        </p:spPr>
+        <p:style>
+          <a:lnRef idx="2">
+            <a:schemeClr val="dk1">
+              <a:shade val="15000"/>
+            </a:schemeClr>
+          </a:lnRef>
+          <a:fillRef idx="1">
+            <a:schemeClr val="dk1"/>
+          </a:fillRef>
+          <a:effectRef idx="0">
+            <a:schemeClr val="dk1"/>
+          </a:effectRef>
+          <a:fontRef idx="minor">
+            <a:schemeClr val="lt1"/>
+          </a:fontRef>
+        </p:style>
+        <p:txBody>
+          <a:bodyPr rtlCol="0" anchor="ctr"/>
+          <a:lstStyle/>
+          <a:p>
+            <a:pPr algn="ctr"/>
+            <a:endParaRPr lang="en-US"/>
+          </a:p>
+        </p:txBody>
+      </p:sp>
+      <p:sp>
+        <p:nvSpPr>
+          <p:cNvPr id="61" name="Oval 60">
+            <a:extLst>
+              <a:ext uri="{FF2B5EF4-FFF2-40B4-BE49-F238E27FC236}">
+                <a16:creationId xmlns:a16="http://schemas.microsoft.com/office/drawing/2014/main" id="{5DDA55D3-7228-8B30-E4EA-B1580F4B0867}"/>
+              </a:ext>
+            </a:extLst>
+          </p:cNvPr>
+          <p:cNvSpPr>
+            <a:spLocks/>
+          </p:cNvSpPr>
+          <p:nvPr/>
+        </p:nvSpPr>
+        <p:spPr>
+          <a:xfrm>
+            <a:off x="4563615" y="1367204"/>
+            <a:ext cx="228600" cy="228600"/>
+          </a:xfrm>
+          <a:prstGeom prst="ellipse">
+            <a:avLst/>
+          </a:prstGeom>
+          <a:solidFill>
+            <a:srgbClr val="C00000"/>
+          </a:solidFill>
+        </p:spPr>
+        <p:style>
+          <a:lnRef idx="2">
+            <a:schemeClr val="dk1">
+              <a:shade val="15000"/>
+            </a:schemeClr>
+          </a:lnRef>
+          <a:fillRef idx="1">
+            <a:schemeClr val="dk1"/>
+          </a:fillRef>
+          <a:effectRef idx="0">
+            <a:schemeClr val="dk1"/>
+          </a:effectRef>
+          <a:fontRef idx="minor">
+            <a:schemeClr val="lt1"/>
+          </a:fontRef>
+        </p:style>
+        <p:txBody>
+          <a:bodyPr rtlCol="0" anchor="ctr"/>
+          <a:lstStyle/>
+          <a:p>
+            <a:pPr algn="ctr"/>
+            <a:endParaRPr lang="en-US"/>
+          </a:p>
+        </p:txBody>
+      </p:sp>
+      <p:sp>
+        <p:nvSpPr>
+          <p:cNvPr id="86" name="Oval 85">
+            <a:extLst>
+              <a:ext uri="{FF2B5EF4-FFF2-40B4-BE49-F238E27FC236}">
+                <a16:creationId xmlns:a16="http://schemas.microsoft.com/office/drawing/2014/main" id="{BFCCD5CB-4280-10B2-1517-C7DE5703BFDA}"/>
+              </a:ext>
+            </a:extLst>
+          </p:cNvPr>
+          <p:cNvSpPr>
+            <a:spLocks/>
+          </p:cNvSpPr>
+          <p:nvPr/>
+        </p:nvSpPr>
+        <p:spPr>
+          <a:xfrm>
+            <a:off x="4959581" y="3564151"/>
+            <a:ext cx="228600" cy="228600"/>
+          </a:xfrm>
+          <a:prstGeom prst="ellipse">
+            <a:avLst/>
+          </a:prstGeom>
+        </p:spPr>
+        <p:style>
+          <a:lnRef idx="2">
+            <a:schemeClr val="dk1">
+              <a:shade val="15000"/>
+            </a:schemeClr>
+          </a:lnRef>
+          <a:fillRef idx="1">
+            <a:schemeClr val="dk1"/>
+          </a:fillRef>
+          <a:effectRef idx="0">
+            <a:schemeClr val="dk1"/>
+          </a:effectRef>
+          <a:fontRef idx="minor">
+            <a:schemeClr val="lt1"/>
+          </a:fontRef>
+        </p:style>
+        <p:txBody>
+          <a:bodyPr rtlCol="0" anchor="ctr"/>
+          <a:lstStyle/>
+          <a:p>
+            <a:pPr algn="ctr"/>
+            <a:endParaRPr lang="en-US"/>
+          </a:p>
+        </p:txBody>
+      </p:sp>
+      <p:sp>
+        <p:nvSpPr>
+          <p:cNvPr id="87" name="Oval 86">
+            <a:extLst>
+              <a:ext uri="{FF2B5EF4-FFF2-40B4-BE49-F238E27FC236}">
+                <a16:creationId xmlns:a16="http://schemas.microsoft.com/office/drawing/2014/main" id="{3A7BE9FE-3AF3-3911-1B2C-16502A25E2B2}"/>
+              </a:ext>
+            </a:extLst>
+          </p:cNvPr>
+          <p:cNvSpPr>
+            <a:spLocks/>
+          </p:cNvSpPr>
+          <p:nvPr/>
+        </p:nvSpPr>
+        <p:spPr>
+          <a:xfrm>
+            <a:off x="4556306" y="3564151"/>
+            <a:ext cx="228600" cy="228600"/>
+          </a:xfrm>
+          <a:prstGeom prst="ellipse">
+            <a:avLst/>
+          </a:prstGeom>
+        </p:spPr>
+        <p:style>
+          <a:lnRef idx="2">
+            <a:schemeClr val="accent1">
+              <a:shade val="15000"/>
+            </a:schemeClr>
+          </a:lnRef>
+          <a:fillRef idx="1">
+            <a:schemeClr val="accent1"/>
+          </a:fillRef>
+          <a:effectRef idx="0">
+            <a:schemeClr val="accent1"/>
+          </a:effectRef>
+          <a:fontRef idx="minor">
+            <a:schemeClr val="lt1"/>
+          </a:fontRef>
+        </p:style>
+        <p:txBody>
+          <a:bodyPr rtlCol="0" anchor="ctr"/>
+          <a:lstStyle/>
+          <a:p>
+            <a:pPr algn="ctr"/>
+            <a:endParaRPr lang="en-US"/>
+          </a:p>
+        </p:txBody>
+      </p:sp>
+      <p:sp>
+        <p:nvSpPr>
+          <p:cNvPr id="88" name="Oval 87">
+            <a:extLst>
+              <a:ext uri="{FF2B5EF4-FFF2-40B4-BE49-F238E27FC236}">
+                <a16:creationId xmlns:a16="http://schemas.microsoft.com/office/drawing/2014/main" id="{BF5AD2E1-86B2-3474-F4CC-C947B9AAC9D5}"/>
+              </a:ext>
+            </a:extLst>
+          </p:cNvPr>
+          <p:cNvSpPr>
+            <a:spLocks/>
+          </p:cNvSpPr>
+          <p:nvPr/>
+        </p:nvSpPr>
+        <p:spPr>
+          <a:xfrm>
+            <a:off x="4952815" y="5743866"/>
+            <a:ext cx="228600" cy="228600"/>
+          </a:xfrm>
+          <a:prstGeom prst="ellipse">
+            <a:avLst/>
+          </a:prstGeom>
+        </p:spPr>
+        <p:style>
+          <a:lnRef idx="2">
+            <a:schemeClr val="dk1">
+              <a:shade val="15000"/>
+            </a:schemeClr>
+          </a:lnRef>
+          <a:fillRef idx="1">
+            <a:schemeClr val="dk1"/>
+          </a:fillRef>
+          <a:effectRef idx="0">
+            <a:schemeClr val="dk1"/>
+          </a:effectRef>
+          <a:fontRef idx="minor">
+            <a:schemeClr val="lt1"/>
+          </a:fontRef>
+        </p:style>
+        <p:txBody>
+          <a:bodyPr rtlCol="0" anchor="ctr"/>
+          <a:lstStyle/>
+          <a:p>
+            <a:pPr algn="ctr"/>
+            <a:endParaRPr lang="en-US"/>
+          </a:p>
+        </p:txBody>
+      </p:sp>
+      <p:sp>
+        <p:nvSpPr>
+          <p:cNvPr id="89" name="Oval 88">
+            <a:extLst>
+              <a:ext uri="{FF2B5EF4-FFF2-40B4-BE49-F238E27FC236}">
+                <a16:creationId xmlns:a16="http://schemas.microsoft.com/office/drawing/2014/main" id="{A9E235AE-9399-950F-CD8D-B4636BCF0BCE}"/>
+              </a:ext>
+            </a:extLst>
+          </p:cNvPr>
+          <p:cNvSpPr>
+            <a:spLocks/>
+          </p:cNvSpPr>
+          <p:nvPr/>
+        </p:nvSpPr>
+        <p:spPr>
+          <a:xfrm>
+            <a:off x="4549540" y="5743866"/>
+            <a:ext cx="228600" cy="228600"/>
+          </a:xfrm>
+          <a:prstGeom prst="ellipse">
+            <a:avLst/>
+          </a:prstGeom>
+        </p:spPr>
+        <p:style>
+          <a:lnRef idx="2">
+            <a:schemeClr val="accent1">
+              <a:shade val="15000"/>
+            </a:schemeClr>
+          </a:lnRef>
+          <a:fillRef idx="1">
+            <a:schemeClr val="accent1"/>
+          </a:fillRef>
+          <a:effectRef idx="0">
+            <a:schemeClr val="accent1"/>
+          </a:effectRef>
+          <a:fontRef idx="minor">
+            <a:schemeClr val="lt1"/>
+          </a:fontRef>
+        </p:style>
+        <p:txBody>
+          <a:bodyPr rtlCol="0" anchor="ctr"/>
+          <a:lstStyle/>
+          <a:p>
+            <a:pPr algn="ctr"/>
+            <a:endParaRPr lang="en-US"/>
+          </a:p>
+        </p:txBody>
+      </p:sp>
+      <p:sp>
+        <p:nvSpPr>
+          <p:cNvPr id="90" name="Oval 89">
+            <a:extLst>
+              <a:ext uri="{FF2B5EF4-FFF2-40B4-BE49-F238E27FC236}">
+                <a16:creationId xmlns:a16="http://schemas.microsoft.com/office/drawing/2014/main" id="{C8A74EAB-0C6C-743B-EA53-FE34033CE549}"/>
+              </a:ext>
+            </a:extLst>
+          </p:cNvPr>
+          <p:cNvSpPr>
+            <a:spLocks/>
+          </p:cNvSpPr>
+          <p:nvPr/>
+        </p:nvSpPr>
+        <p:spPr>
+          <a:xfrm>
+            <a:off x="4776902" y="6644202"/>
+            <a:ext cx="228600" cy="228600"/>
+          </a:xfrm>
+          <a:prstGeom prst="ellipse">
+            <a:avLst/>
+          </a:prstGeom>
+          <a:solidFill>
+            <a:srgbClr val="C00000"/>
+          </a:solidFill>
+        </p:spPr>
+        <p:style>
+          <a:lnRef idx="2">
+            <a:schemeClr val="dk1">
+              <a:shade val="15000"/>
+            </a:schemeClr>
+          </a:lnRef>
+          <a:fillRef idx="1">
+            <a:schemeClr val="dk1"/>
+          </a:fillRef>
+          <a:effectRef idx="0">
+            <a:schemeClr val="dk1"/>
+          </a:effectRef>
+          <a:fontRef idx="minor">
+            <a:schemeClr val="lt1"/>
+          </a:fontRef>
+        </p:style>
+        <p:txBody>
+          <a:bodyPr rtlCol="0" anchor="ctr"/>
+          <a:lstStyle/>
+          <a:p>
+            <a:pPr algn="ctr"/>
+            <a:endParaRPr lang="en-US"/>
+          </a:p>
+        </p:txBody>
+      </p:sp>
+      <p:sp>
+        <p:nvSpPr>
+          <p:cNvPr id="121" name="Oval 120">
+            <a:extLst>
+              <a:ext uri="{FF2B5EF4-FFF2-40B4-BE49-F238E27FC236}">
+                <a16:creationId xmlns:a16="http://schemas.microsoft.com/office/drawing/2014/main" id="{6E747C89-1A95-8296-F60D-809814021070}"/>
+              </a:ext>
+            </a:extLst>
+          </p:cNvPr>
+          <p:cNvSpPr>
+            <a:spLocks/>
+          </p:cNvSpPr>
+          <p:nvPr/>
+        </p:nvSpPr>
+        <p:spPr>
+          <a:xfrm>
+            <a:off x="4771355" y="4419764"/>
+            <a:ext cx="228600" cy="228600"/>
+          </a:xfrm>
+          <a:prstGeom prst="ellipse">
+            <a:avLst/>
+          </a:prstGeom>
+          <a:solidFill>
+            <a:srgbClr val="C00000"/>
+          </a:solidFill>
+        </p:spPr>
+        <p:style>
+          <a:lnRef idx="2">
+            <a:schemeClr val="dk1">
+              <a:shade val="15000"/>
+            </a:schemeClr>
+          </a:lnRef>
+          <a:fillRef idx="1">
+            <a:schemeClr val="dk1"/>
+          </a:fillRef>
+          <a:effectRef idx="0">
+            <a:schemeClr val="dk1"/>
+          </a:effectRef>
+          <a:fontRef idx="minor">
+            <a:schemeClr val="lt1"/>
+          </a:fontRef>
+        </p:style>
+        <p:txBody>
+          <a:bodyPr rtlCol="0" anchor="ctr"/>
+          <a:lstStyle/>
+          <a:p>
+            <a:pPr algn="ctr"/>
+            <a:endParaRPr lang="en-US"/>
+          </a:p>
+        </p:txBody>
+      </p:sp>
+      <p:sp>
+        <p:nvSpPr>
+          <p:cNvPr id="122" name="Oval 121">
+            <a:extLst>
+              <a:ext uri="{FF2B5EF4-FFF2-40B4-BE49-F238E27FC236}">
+                <a16:creationId xmlns:a16="http://schemas.microsoft.com/office/drawing/2014/main" id="{F4F664F4-B84A-FB02-C0BF-ADA5371DC9E6}"/>
+              </a:ext>
+            </a:extLst>
+          </p:cNvPr>
+          <p:cNvSpPr>
+            <a:spLocks/>
+          </p:cNvSpPr>
+          <p:nvPr/>
+        </p:nvSpPr>
+        <p:spPr>
+          <a:xfrm>
+            <a:off x="4776099" y="2254147"/>
+            <a:ext cx="228600" cy="228600"/>
+          </a:xfrm>
+          <a:prstGeom prst="ellipse">
+            <a:avLst/>
+          </a:prstGeom>
+        </p:spPr>
+        <p:style>
+          <a:lnRef idx="2">
+            <a:schemeClr val="accent1">
+              <a:shade val="15000"/>
+            </a:schemeClr>
+          </a:lnRef>
+          <a:fillRef idx="1">
+            <a:schemeClr val="accent1"/>
+          </a:fillRef>
+          <a:effectRef idx="0">
+            <a:schemeClr val="accent1"/>
+          </a:effectRef>
+          <a:fontRef idx="minor">
+            <a:schemeClr val="lt1"/>
+          </a:fontRef>
+        </p:style>
+        <p:txBody>
+          <a:bodyPr rtlCol="0" anchor="ctr"/>
+          <a:lstStyle/>
+          <a:p>
+            <a:pPr algn="ctr"/>
+            <a:endParaRPr lang="en-US"/>
+          </a:p>
+        </p:txBody>
+      </p:sp>
+      <p:sp>
+        <p:nvSpPr>
+          <p:cNvPr id="123" name="Oval 122">
+            <a:extLst>
+              <a:ext uri="{FF2B5EF4-FFF2-40B4-BE49-F238E27FC236}">
+                <a16:creationId xmlns:a16="http://schemas.microsoft.com/office/drawing/2014/main" id="{2589A47D-EED5-EDA1-1675-DF1BEEB19165}"/>
+              </a:ext>
+            </a:extLst>
+          </p:cNvPr>
+          <p:cNvSpPr>
+            <a:spLocks/>
+          </p:cNvSpPr>
+          <p:nvPr/>
+        </p:nvSpPr>
+        <p:spPr>
+          <a:xfrm>
+            <a:off x="6131924" y="1367204"/>
+            <a:ext cx="228600" cy="228600"/>
+          </a:xfrm>
+          <a:prstGeom prst="ellipse">
+            <a:avLst/>
+          </a:prstGeom>
+        </p:spPr>
+        <p:style>
+          <a:lnRef idx="2">
+            <a:schemeClr val="dk1">
+              <a:shade val="15000"/>
+            </a:schemeClr>
+          </a:lnRef>
+          <a:fillRef idx="1">
+            <a:schemeClr val="dk1"/>
+          </a:fillRef>
+          <a:effectRef idx="0">
+            <a:schemeClr val="dk1"/>
+          </a:effectRef>
+          <a:fontRef idx="minor">
+            <a:schemeClr val="lt1"/>
+          </a:fontRef>
+        </p:style>
+        <p:txBody>
+          <a:bodyPr rtlCol="0" anchor="ctr"/>
+          <a:lstStyle/>
+          <a:p>
+            <a:pPr algn="ctr"/>
+            <a:endParaRPr lang="en-US"/>
+          </a:p>
+        </p:txBody>
+      </p:sp>
+      <p:sp>
+        <p:nvSpPr>
+          <p:cNvPr id="124" name="Oval 123">
+            <a:extLst>
+              <a:ext uri="{FF2B5EF4-FFF2-40B4-BE49-F238E27FC236}">
+                <a16:creationId xmlns:a16="http://schemas.microsoft.com/office/drawing/2014/main" id="{1A30AE1F-0390-6101-3058-BF0CA4D81494}"/>
+              </a:ext>
+            </a:extLst>
+          </p:cNvPr>
+          <p:cNvSpPr>
+            <a:spLocks/>
+          </p:cNvSpPr>
+          <p:nvPr/>
+        </p:nvSpPr>
+        <p:spPr>
+          <a:xfrm>
+            <a:off x="6149868" y="4435446"/>
+            <a:ext cx="228600" cy="228600"/>
+          </a:xfrm>
+          <a:prstGeom prst="ellipse">
+            <a:avLst/>
+          </a:prstGeom>
+        </p:spPr>
+        <p:style>
+          <a:lnRef idx="2">
+            <a:schemeClr val="dk1">
+              <a:shade val="15000"/>
+            </a:schemeClr>
+          </a:lnRef>
+          <a:fillRef idx="1">
+            <a:schemeClr val="dk1"/>
+          </a:fillRef>
+          <a:effectRef idx="0">
+            <a:schemeClr val="dk1"/>
+          </a:effectRef>
+          <a:fontRef idx="minor">
+            <a:schemeClr val="lt1"/>
+          </a:fontRef>
+        </p:style>
+        <p:txBody>
+          <a:bodyPr rtlCol="0" anchor="ctr"/>
+          <a:lstStyle/>
+          <a:p>
+            <a:pPr algn="ctr"/>
+            <a:endParaRPr lang="en-US"/>
+          </a:p>
+        </p:txBody>
+      </p:sp>
+      <p:sp>
+        <p:nvSpPr>
+          <p:cNvPr id="125" name="Oval 124">
+            <a:extLst>
+              <a:ext uri="{FF2B5EF4-FFF2-40B4-BE49-F238E27FC236}">
+                <a16:creationId xmlns:a16="http://schemas.microsoft.com/office/drawing/2014/main" id="{4FC1D749-B48E-2CEE-B4D3-EBCD4A4DCC18}"/>
+              </a:ext>
+            </a:extLst>
+          </p:cNvPr>
+          <p:cNvSpPr>
+            <a:spLocks/>
+          </p:cNvSpPr>
+          <p:nvPr/>
+        </p:nvSpPr>
+        <p:spPr>
+          <a:xfrm>
+            <a:off x="7061298" y="6652249"/>
+            <a:ext cx="228600" cy="228600"/>
+          </a:xfrm>
+          <a:prstGeom prst="ellipse">
+            <a:avLst/>
+          </a:prstGeom>
+        </p:spPr>
+        <p:style>
+          <a:lnRef idx="2">
+            <a:schemeClr val="dk1">
+              <a:shade val="15000"/>
+            </a:schemeClr>
+          </a:lnRef>
+          <a:fillRef idx="1">
+            <a:schemeClr val="dk1"/>
+          </a:fillRef>
+          <a:effectRef idx="0">
+            <a:schemeClr val="dk1"/>
+          </a:effectRef>
+          <a:fontRef idx="minor">
+            <a:schemeClr val="lt1"/>
+          </a:fontRef>
+        </p:style>
+        <p:txBody>
+          <a:bodyPr rtlCol="0" anchor="ctr"/>
+          <a:lstStyle/>
+          <a:p>
+            <a:pPr algn="ctr"/>
+            <a:endParaRPr lang="en-US"/>
+          </a:p>
+        </p:txBody>
+      </p:sp>
+      <p:sp>
+        <p:nvSpPr>
+          <p:cNvPr id="126" name="Oval 125">
+            <a:extLst>
+              <a:ext uri="{FF2B5EF4-FFF2-40B4-BE49-F238E27FC236}">
+                <a16:creationId xmlns:a16="http://schemas.microsoft.com/office/drawing/2014/main" id="{94768D62-A459-4E80-70D2-F74C895E2904}"/>
+              </a:ext>
+            </a:extLst>
+          </p:cNvPr>
+          <p:cNvSpPr>
+            <a:spLocks/>
+          </p:cNvSpPr>
+          <p:nvPr/>
+        </p:nvSpPr>
+        <p:spPr>
+          <a:xfrm>
+            <a:off x="7046324" y="1370622"/>
+            <a:ext cx="228600" cy="228600"/>
+          </a:xfrm>
+          <a:prstGeom prst="ellipse">
+            <a:avLst/>
+          </a:prstGeom>
+          <a:solidFill>
+            <a:srgbClr val="C00000"/>
+          </a:solidFill>
+        </p:spPr>
+        <p:style>
+          <a:lnRef idx="2">
+            <a:schemeClr val="dk1">
+              <a:shade val="15000"/>
+            </a:schemeClr>
+          </a:lnRef>
+          <a:fillRef idx="1">
+            <a:schemeClr val="dk1"/>
+          </a:fillRef>
+          <a:effectRef idx="0">
+            <a:schemeClr val="dk1"/>
+          </a:effectRef>
+          <a:fontRef idx="minor">
+            <a:schemeClr val="lt1"/>
+          </a:fontRef>
+        </p:style>
+        <p:txBody>
+          <a:bodyPr rtlCol="0" anchor="ctr"/>
+          <a:lstStyle/>
+          <a:p>
+            <a:pPr algn="ctr"/>
+            <a:endParaRPr lang="en-US"/>
+          </a:p>
+        </p:txBody>
+      </p:sp>
+      <p:sp>
+        <p:nvSpPr>
+          <p:cNvPr id="127" name="Oval 126">
+            <a:extLst>
+              <a:ext uri="{FF2B5EF4-FFF2-40B4-BE49-F238E27FC236}">
+                <a16:creationId xmlns:a16="http://schemas.microsoft.com/office/drawing/2014/main" id="{4DC50B28-4BCC-684E-11D2-9C9127B67F1E}"/>
+              </a:ext>
+            </a:extLst>
+          </p:cNvPr>
+          <p:cNvSpPr>
+            <a:spLocks/>
+          </p:cNvSpPr>
+          <p:nvPr/>
+        </p:nvSpPr>
+        <p:spPr>
+          <a:xfrm>
+            <a:off x="6124806" y="3565139"/>
+            <a:ext cx="228600" cy="228600"/>
+          </a:xfrm>
+          <a:prstGeom prst="ellipse">
+            <a:avLst/>
+          </a:prstGeom>
+          <a:solidFill>
+            <a:srgbClr val="C00000"/>
+          </a:solidFill>
+        </p:spPr>
+        <p:style>
+          <a:lnRef idx="2">
+            <a:schemeClr val="dk1">
+              <a:shade val="15000"/>
+            </a:schemeClr>
+          </a:lnRef>
+          <a:fillRef idx="1">
+            <a:schemeClr val="dk1"/>
+          </a:fillRef>
+          <a:effectRef idx="0">
+            <a:schemeClr val="dk1"/>
+          </a:effectRef>
+          <a:fontRef idx="minor">
+            <a:schemeClr val="lt1"/>
+          </a:fontRef>
+        </p:style>
+        <p:txBody>
+          <a:bodyPr rtlCol="0" anchor="ctr"/>
+          <a:lstStyle/>
+          <a:p>
+            <a:pPr algn="ctr"/>
+            <a:endParaRPr lang="en-US"/>
+          </a:p>
+        </p:txBody>
+      </p:sp>
+      <p:sp>
+        <p:nvSpPr>
+          <p:cNvPr id="128" name="Oval 127">
+            <a:extLst>
+              <a:ext uri="{FF2B5EF4-FFF2-40B4-BE49-F238E27FC236}">
+                <a16:creationId xmlns:a16="http://schemas.microsoft.com/office/drawing/2014/main" id="{C3F36A4D-39E4-CD4A-0866-C40267D92C7E}"/>
+              </a:ext>
+            </a:extLst>
+          </p:cNvPr>
+          <p:cNvSpPr>
+            <a:spLocks/>
+          </p:cNvSpPr>
+          <p:nvPr/>
+        </p:nvSpPr>
+        <p:spPr>
+          <a:xfrm>
+            <a:off x="6151831" y="5750867"/>
+            <a:ext cx="228600" cy="228600"/>
+          </a:xfrm>
+          <a:prstGeom prst="ellipse">
+            <a:avLst/>
+          </a:prstGeom>
+          <a:solidFill>
+            <a:srgbClr val="C00000"/>
+          </a:solidFill>
+        </p:spPr>
+        <p:style>
+          <a:lnRef idx="2">
+            <a:schemeClr val="dk1">
+              <a:shade val="15000"/>
+            </a:schemeClr>
+          </a:lnRef>
+          <a:fillRef idx="1">
+            <a:schemeClr val="dk1"/>
+          </a:fillRef>
+          <a:effectRef idx="0">
+            <a:schemeClr val="dk1"/>
+          </a:effectRef>
+          <a:fontRef idx="minor">
+            <a:schemeClr val="lt1"/>
+          </a:fontRef>
+        </p:style>
+        <p:txBody>
+          <a:bodyPr rtlCol="0" anchor="ctr"/>
+          <a:lstStyle/>
+          <a:p>
+            <a:pPr algn="ctr"/>
+            <a:endParaRPr lang="en-US"/>
+          </a:p>
+        </p:txBody>
+      </p:sp>
+      <p:sp>
+        <p:nvSpPr>
+          <p:cNvPr id="129" name="Oval 128">
+            <a:extLst>
+              <a:ext uri="{FF2B5EF4-FFF2-40B4-BE49-F238E27FC236}">
+                <a16:creationId xmlns:a16="http://schemas.microsoft.com/office/drawing/2014/main" id="{51D4D293-A201-7491-209E-EB2944408DB8}"/>
+              </a:ext>
+            </a:extLst>
+          </p:cNvPr>
+          <p:cNvSpPr>
+            <a:spLocks/>
+          </p:cNvSpPr>
+          <p:nvPr/>
+        </p:nvSpPr>
+        <p:spPr>
+          <a:xfrm>
+            <a:off x="7054247" y="2246923"/>
+            <a:ext cx="228600" cy="228600"/>
+          </a:xfrm>
+          <a:prstGeom prst="ellipse">
+            <a:avLst/>
+          </a:prstGeom>
+        </p:spPr>
+        <p:style>
+          <a:lnRef idx="2">
+            <a:schemeClr val="accent1">
+              <a:shade val="15000"/>
+            </a:schemeClr>
+          </a:lnRef>
+          <a:fillRef idx="1">
+            <a:schemeClr val="accent1"/>
+          </a:fillRef>
+          <a:effectRef idx="0">
+            <a:schemeClr val="accent1"/>
+          </a:effectRef>
+          <a:fontRef idx="minor">
+            <a:schemeClr val="lt1"/>
+          </a:fontRef>
+        </p:style>
+        <p:txBody>
+          <a:bodyPr rtlCol="0" anchor="ctr"/>
+          <a:lstStyle/>
+          <a:p>
+            <a:pPr algn="ctr"/>
+            <a:endParaRPr lang="en-US"/>
+          </a:p>
+        </p:txBody>
+      </p:sp>
+      <p:sp>
+        <p:nvSpPr>
+          <p:cNvPr id="130" name="Oval 129">
+            <a:extLst>
+              <a:ext uri="{FF2B5EF4-FFF2-40B4-BE49-F238E27FC236}">
+                <a16:creationId xmlns:a16="http://schemas.microsoft.com/office/drawing/2014/main" id="{DEA5A482-3596-B55A-E05D-04D59C849690}"/>
+              </a:ext>
+            </a:extLst>
+          </p:cNvPr>
+          <p:cNvSpPr>
+            <a:spLocks/>
+          </p:cNvSpPr>
+          <p:nvPr/>
+        </p:nvSpPr>
+        <p:spPr>
+          <a:xfrm>
+            <a:off x="7077800" y="5755993"/>
+            <a:ext cx="228600" cy="228600"/>
+          </a:xfrm>
+          <a:prstGeom prst="ellipse">
+            <a:avLst/>
+          </a:prstGeom>
+        </p:spPr>
+        <p:style>
+          <a:lnRef idx="2">
+            <a:schemeClr val="accent1">
+              <a:shade val="15000"/>
+            </a:schemeClr>
+          </a:lnRef>
+          <a:fillRef idx="1">
+            <a:schemeClr val="accent1"/>
+          </a:fillRef>
+          <a:effectRef idx="0">
+            <a:schemeClr val="accent1"/>
+          </a:effectRef>
+          <a:fontRef idx="minor">
+            <a:schemeClr val="lt1"/>
+          </a:fontRef>
+        </p:style>
+        <p:txBody>
+          <a:bodyPr rtlCol="0" anchor="ctr"/>
+          <a:lstStyle/>
+          <a:p>
+            <a:pPr algn="ctr"/>
+            <a:endParaRPr lang="en-US"/>
+          </a:p>
+        </p:txBody>
+      </p:sp>
+      <p:sp>
+        <p:nvSpPr>
+          <p:cNvPr id="131" name="Oval 130">
+            <a:extLst>
+              <a:ext uri="{FF2B5EF4-FFF2-40B4-BE49-F238E27FC236}">
+                <a16:creationId xmlns:a16="http://schemas.microsoft.com/office/drawing/2014/main" id="{1A3A1EF0-8520-B6D0-E7C1-5BF77BF549CF}"/>
+              </a:ext>
+            </a:extLst>
+          </p:cNvPr>
+          <p:cNvSpPr>
+            <a:spLocks/>
+          </p:cNvSpPr>
+          <p:nvPr/>
+        </p:nvSpPr>
+        <p:spPr>
+          <a:xfrm>
+            <a:off x="7071801" y="3569245"/>
+            <a:ext cx="228600" cy="228600"/>
+          </a:xfrm>
+          <a:prstGeom prst="ellipse">
+            <a:avLst/>
+          </a:prstGeom>
+        </p:spPr>
+        <p:style>
+          <a:lnRef idx="2">
+            <a:schemeClr val="accent1">
+              <a:shade val="15000"/>
+            </a:schemeClr>
+          </a:lnRef>
+          <a:fillRef idx="1">
+            <a:schemeClr val="accent1"/>
+          </a:fillRef>
+          <a:effectRef idx="0">
+            <a:schemeClr val="accent1"/>
+          </a:effectRef>
+          <a:fontRef idx="minor">
+            <a:schemeClr val="lt1"/>
+          </a:fontRef>
+        </p:style>
+        <p:txBody>
+          <a:bodyPr rtlCol="0" anchor="ctr"/>
+          <a:lstStyle/>
+          <a:p>
+            <a:pPr algn="ctr"/>
+            <a:endParaRPr lang="en-US"/>
+          </a:p>
+        </p:txBody>
+      </p:sp>
+    </p:spTree>
+    <p:extLst>
+      <p:ext uri="{BB962C8B-B14F-4D97-AF65-F5344CB8AC3E}">
+        <p14:creationId xmlns:p14="http://schemas.microsoft.com/office/powerpoint/2010/main" val="3129789785"/>
+      </p:ext>
+    </p:extLst>
+  </p:cSld>
+  <p:clrMapOvr>
+    <a:masterClrMapping/>
+  </p:clrMapOvr>
+</p:sld>
+</file>
+
 <file path=ppt/theme/theme1.xml><?xml version="1.0" encoding="utf-8"?>
 <a:theme xmlns:a="http://schemas.openxmlformats.org/drawingml/2006/main" name="Office Theme">
   <a:themeElements>
